--- a/research/revised-open-banking-architecture.pptx
+++ b/research/revised-open-banking-architecture.pptx
@@ -3311,8 +3311,8 @@
         </p:nvSpPr>
         <p:spPr>
           <a:xfrm>
-            <a:off x="979246" y="3808588"/>
-            <a:ext cx="4511743" cy="749143"/>
+            <a:off x="624537" y="3808588"/>
+            <a:ext cx="5019977" cy="749143"/>
           </a:xfrm>
           <a:prstGeom prst="roundRect">
             <a:avLst/>
@@ -3447,7 +3447,7 @@
         <p:spPr>
           <a:xfrm>
             <a:off x="306413" y="2258036"/>
-            <a:ext cx="5688632" cy="2728872"/>
+            <a:ext cx="5652226" cy="2728872"/>
           </a:xfrm>
           <a:prstGeom prst="roundRect">
             <a:avLst>
@@ -5781,7 +5781,9 @@
             <a:ext cx="1206178" cy="1055608"/>
           </a:xfrm>
           <a:prstGeom prst="roundRect">
-            <a:avLst/>
+            <a:avLst>
+              <a:gd name="adj" fmla="val 14957"/>
+            </a:avLst>
           </a:prstGeom>
           <a:gradFill>
             <a:gsLst>
@@ -6209,8 +6211,8 @@
         </p:nvSpPr>
         <p:spPr>
           <a:xfrm>
-            <a:off x="7731375" y="4996064"/>
-            <a:ext cx="1090363" cy="246221"/>
+            <a:off x="7391538" y="4996064"/>
+            <a:ext cx="1430200" cy="246221"/>
           </a:xfrm>
           <a:prstGeom prst="rect">
             <a:avLst/>
@@ -6230,7 +6232,7 @@
             </a:r>
             <a:r>
               <a:rPr lang="en-US" sz="1000" dirty="0"/>
-              <a:t> 2024</a:t>
+              <a:t> 2024-01-01</a:t>
             </a:r>
           </a:p>
         </p:txBody>

--- a/research/revised-open-banking-architecture.pptx
+++ b/research/revised-open-banking-architecture.pptx
@@ -3486,71 +3486,6 @@
       </p:sp>
       <p:sp>
         <p:nvSpPr>
-          <p:cNvPr id="40" name="Down Arrow 39"/>
-          <p:cNvSpPr/>
-          <p:nvPr/>
-        </p:nvSpPr>
-        <p:spPr>
-          <a:xfrm>
-            <a:off x="2792378" y="1256116"/>
-            <a:ext cx="214673" cy="2520000"/>
-          </a:xfrm>
-          <a:prstGeom prst="downArrow">
-            <a:avLst/>
-          </a:prstGeom>
-          <a:gradFill>
-            <a:gsLst>
-              <a:gs pos="0">
-                <a:schemeClr val="accent1"/>
-              </a:gs>
-              <a:gs pos="52000">
-                <a:schemeClr val="bg1"/>
-              </a:gs>
-              <a:gs pos="43000">
-                <a:schemeClr val="bg1"/>
-              </a:gs>
-              <a:gs pos="100000">
-                <a:schemeClr val="accent1"/>
-              </a:gs>
-            </a:gsLst>
-            <a:lin ang="0" scaled="0"/>
-          </a:gradFill>
-          <a:ln w="12700">
-            <a:solidFill>
-              <a:schemeClr val="tx2">
-                <a:lumMod val="60000"/>
-                <a:lumOff val="40000"/>
-              </a:schemeClr>
-            </a:solidFill>
-          </a:ln>
-        </p:spPr>
-        <p:style>
-          <a:lnRef idx="2">
-            <a:schemeClr val="accent1">
-              <a:shade val="50000"/>
-            </a:schemeClr>
-          </a:lnRef>
-          <a:fillRef idx="1">
-            <a:schemeClr val="accent1"/>
-          </a:fillRef>
-          <a:effectRef idx="0">
-            <a:schemeClr val="accent1"/>
-          </a:effectRef>
-          <a:fontRef idx="minor">
-            <a:schemeClr val="lt1"/>
-          </a:fontRef>
-        </p:style>
-        <p:txBody>
-          <a:bodyPr rtlCol="0" anchor="ctr"/>
-          <a:lstStyle/>
-          <a:p>
-            <a:pPr algn="ctr"/>
-            <a:endParaRPr lang="en-US"/>
-          </a:p>
-        </p:txBody>
-      </p:sp>
-      <p:sp>
-        <p:nvSpPr>
           <p:cNvPr id="203" name="Down Arrow 202"/>
           <p:cNvSpPr/>
           <p:nvPr/>
@@ -3724,8 +3659,8 @@
         </p:nvCxnSpPr>
         <p:spPr>
           <a:xfrm>
-            <a:off x="3546105" y="1123200"/>
-            <a:ext cx="2088000" cy="0"/>
+            <a:off x="3330749" y="1123200"/>
+            <a:ext cx="2304000" cy="0"/>
           </a:xfrm>
           <a:prstGeom prst="line">
             <a:avLst/>
@@ -5769,157 +5704,243 @@
           </a:p>
         </p:txBody>
       </p:sp>
-      <p:sp>
-        <p:nvSpPr>
-          <p:cNvPr id="224" name="Rounded Rectangle 223"/>
-          <p:cNvSpPr/>
+      <p:grpSp>
+        <p:nvGrpSpPr>
+          <p:cNvPr id="12" name="Group 11">
+            <a:extLst>
+              <a:ext uri="{FF2B5EF4-FFF2-40B4-BE49-F238E27FC236}">
+                <a16:creationId xmlns:a16="http://schemas.microsoft.com/office/drawing/2014/main" id="{29ECF306-6485-E087-537D-3C748054741A}"/>
+              </a:ext>
+            </a:extLst>
+          </p:cNvPr>
+          <p:cNvGrpSpPr/>
           <p:nvPr/>
-        </p:nvSpPr>
-        <p:spPr>
+        </p:nvGrpSpPr>
+        <p:grpSpPr>
           <a:xfrm>
-            <a:off x="2291926" y="594420"/>
-            <a:ext cx="1206178" cy="1055608"/>
+            <a:off x="2066448" y="594420"/>
+            <a:ext cx="1206178" cy="3181696"/>
+            <a:chOff x="2106613" y="594420"/>
+            <a:chExt cx="1206178" cy="3181696"/>
           </a:xfrm>
-          <a:prstGeom prst="roundRect">
-            <a:avLst>
-              <a:gd name="adj" fmla="val 14957"/>
-            </a:avLst>
-          </a:prstGeom>
-          <a:gradFill>
-            <a:gsLst>
-              <a:gs pos="52000">
-                <a:schemeClr val="bg1"/>
-              </a:gs>
-              <a:gs pos="0">
-                <a:srgbClr val="B3CC82"/>
-              </a:gs>
-              <a:gs pos="84000">
-                <a:schemeClr val="accent3">
-                  <a:lumMod val="40000"/>
-                  <a:lumOff val="60000"/>
+        </p:grpSpPr>
+        <p:sp>
+          <p:nvSpPr>
+            <p:cNvPr id="40" name="Down Arrow 39"/>
+            <p:cNvSpPr/>
+            <p:nvPr/>
+          </p:nvSpPr>
+          <p:spPr>
+            <a:xfrm>
+              <a:off x="2602366" y="1256116"/>
+              <a:ext cx="214673" cy="2520000"/>
+            </a:xfrm>
+            <a:prstGeom prst="downArrow">
+              <a:avLst/>
+            </a:prstGeom>
+            <a:gradFill>
+              <a:gsLst>
+                <a:gs pos="0">
+                  <a:schemeClr val="accent1"/>
+                </a:gs>
+                <a:gs pos="52000">
+                  <a:schemeClr val="bg1"/>
+                </a:gs>
+                <a:gs pos="43000">
+                  <a:schemeClr val="bg1"/>
+                </a:gs>
+                <a:gs pos="100000">
+                  <a:schemeClr val="accent1"/>
+                </a:gs>
+              </a:gsLst>
+              <a:lin ang="0" scaled="0"/>
+            </a:gradFill>
+            <a:ln w="12700">
+              <a:solidFill>
+                <a:schemeClr val="tx2">
+                  <a:lumMod val="60000"/>
+                  <a:lumOff val="40000"/>
                 </a:schemeClr>
-              </a:gs>
-              <a:gs pos="21000">
-                <a:schemeClr val="accent3">
-                  <a:lumMod val="40000"/>
-                  <a:lumOff val="60000"/>
+              </a:solidFill>
+            </a:ln>
+          </p:spPr>
+          <p:style>
+            <a:lnRef idx="2">
+              <a:schemeClr val="accent1">
+                <a:shade val="50000"/>
+              </a:schemeClr>
+            </a:lnRef>
+            <a:fillRef idx="1">
+              <a:schemeClr val="accent1"/>
+            </a:fillRef>
+            <a:effectRef idx="0">
+              <a:schemeClr val="accent1"/>
+            </a:effectRef>
+            <a:fontRef idx="minor">
+              <a:schemeClr val="lt1"/>
+            </a:fontRef>
+          </p:style>
+          <p:txBody>
+            <a:bodyPr rtlCol="0" anchor="ctr"/>
+            <a:lstStyle/>
+            <a:p>
+              <a:pPr algn="ctr"/>
+              <a:endParaRPr lang="en-US"/>
+            </a:p>
+          </p:txBody>
+        </p:sp>
+        <p:sp>
+          <p:nvSpPr>
+            <p:cNvPr id="224" name="Rounded Rectangle 223"/>
+            <p:cNvSpPr/>
+            <p:nvPr/>
+          </p:nvSpPr>
+          <p:spPr>
+            <a:xfrm>
+              <a:off x="2106613" y="594420"/>
+              <a:ext cx="1206178" cy="1055608"/>
+            </a:xfrm>
+            <a:prstGeom prst="roundRect">
+              <a:avLst>
+                <a:gd name="adj" fmla="val 14957"/>
+              </a:avLst>
+            </a:prstGeom>
+            <a:gradFill>
+              <a:gsLst>
+                <a:gs pos="52000">
+                  <a:schemeClr val="bg1"/>
+                </a:gs>
+                <a:gs pos="0">
+                  <a:srgbClr val="B3CC82"/>
+                </a:gs>
+                <a:gs pos="84000">
+                  <a:schemeClr val="accent3">
+                    <a:lumMod val="40000"/>
+                    <a:lumOff val="60000"/>
+                  </a:schemeClr>
+                </a:gs>
+                <a:gs pos="21000">
+                  <a:schemeClr val="accent3">
+                    <a:lumMod val="40000"/>
+                    <a:lumOff val="60000"/>
+                  </a:schemeClr>
+                </a:gs>
+                <a:gs pos="100000">
+                  <a:srgbClr val="B3CC82"/>
+                </a:gs>
+              </a:gsLst>
+              <a:lin ang="2400000" scaled="0"/>
+            </a:gradFill>
+            <a:ln w="12700">
+              <a:solidFill>
+                <a:schemeClr val="tx1">
+                  <a:lumMod val="65000"/>
+                  <a:lumOff val="35000"/>
                 </a:schemeClr>
-              </a:gs>
-              <a:gs pos="100000">
-                <a:srgbClr val="B3CC82"/>
-              </a:gs>
-            </a:gsLst>
-            <a:lin ang="2400000" scaled="0"/>
-          </a:gradFill>
-          <a:ln w="12700">
-            <a:solidFill>
-              <a:schemeClr val="tx1">
-                <a:lumMod val="65000"/>
-                <a:lumOff val="35000"/>
+              </a:solidFill>
+            </a:ln>
+            <a:effectLst>
+              <a:outerShdw blurRad="50800" dist="38100" dir="2700000" algn="tl" rotWithShape="0">
+                <a:prstClr val="black">
+                  <a:alpha val="40000"/>
+                </a:prstClr>
+              </a:outerShdw>
+            </a:effectLst>
+          </p:spPr>
+          <p:style>
+            <a:lnRef idx="2">
+              <a:schemeClr val="accent1">
+                <a:shade val="50000"/>
               </a:schemeClr>
-            </a:solidFill>
-          </a:ln>
-          <a:effectLst>
-            <a:outerShdw blurRad="50800" dist="38100" dir="2700000" algn="tl" rotWithShape="0">
-              <a:prstClr val="black">
-                <a:alpha val="40000"/>
-              </a:prstClr>
-            </a:outerShdw>
-          </a:effectLst>
-        </p:spPr>
-        <p:style>
-          <a:lnRef idx="2">
-            <a:schemeClr val="accent1">
-              <a:shade val="50000"/>
-            </a:schemeClr>
-          </a:lnRef>
-          <a:fillRef idx="1">
-            <a:schemeClr val="accent1"/>
-          </a:fillRef>
-          <a:effectRef idx="0">
-            <a:schemeClr val="accent1"/>
-          </a:effectRef>
-          <a:fontRef idx="minor">
-            <a:schemeClr val="lt1"/>
-          </a:fontRef>
-        </p:style>
-        <p:txBody>
-          <a:bodyPr wrap="none" rtlCol="0" anchor="ctr">
-            <a:spAutoFit/>
-          </a:bodyPr>
-          <a:lstStyle/>
-          <a:p>
-            <a:pPr algn="ctr"/>
-            <a:r>
-              <a:rPr lang="en-US" sz="1400" i="1" dirty="0">
-                <a:solidFill>
-                  <a:schemeClr val="tx1"/>
-                </a:solidFill>
-                <a:latin typeface="Arial" panose="020B0604020202020204" pitchFamily="34" charset="0"/>
-                <a:cs typeface="Arial" panose="020B0604020202020204" pitchFamily="34" charset="0"/>
-              </a:rPr>
-              <a:t>Outsourced</a:t>
-            </a:r>
-            <a:br>
-              <a:rPr lang="en-US" sz="1400" i="1" dirty="0">
-                <a:solidFill>
-                  <a:schemeClr val="tx1"/>
-                </a:solidFill>
-                <a:latin typeface="Arial" panose="020B0604020202020204" pitchFamily="34" charset="0"/>
-                <a:cs typeface="Arial" panose="020B0604020202020204" pitchFamily="34" charset="0"/>
-              </a:rPr>
-            </a:br>
-            <a:r>
-              <a:rPr lang="en-US" sz="1400" i="1" dirty="0">
-                <a:solidFill>
-                  <a:schemeClr val="tx1"/>
-                </a:solidFill>
-                <a:latin typeface="Arial" panose="020B0604020202020204" pitchFamily="34" charset="0"/>
-                <a:cs typeface="Arial" panose="020B0604020202020204" pitchFamily="34" charset="0"/>
-              </a:rPr>
-              <a:t>(delegated)</a:t>
-            </a:r>
-            <a:br>
-              <a:rPr lang="en-US" sz="1400" i="1" dirty="0">
-                <a:solidFill>
-                  <a:schemeClr val="tx1"/>
-                </a:solidFill>
-                <a:latin typeface="Arial" panose="020B0604020202020204" pitchFamily="34" charset="0"/>
-                <a:cs typeface="Arial" panose="020B0604020202020204" pitchFamily="34" charset="0"/>
-              </a:rPr>
-            </a:br>
-            <a:r>
-              <a:rPr lang="en-US" sz="1400" dirty="0">
-                <a:solidFill>
-                  <a:schemeClr val="tx1"/>
-                </a:solidFill>
-                <a:latin typeface="Arial" panose="020B0604020202020204" pitchFamily="34" charset="0"/>
-                <a:cs typeface="Arial" panose="020B0604020202020204" pitchFamily="34" charset="0"/>
-              </a:rPr>
-              <a:t>Payment</a:t>
-            </a:r>
-            <a:br>
-              <a:rPr lang="en-US" sz="1400" dirty="0">
-                <a:solidFill>
-                  <a:schemeClr val="tx1"/>
-                </a:solidFill>
-                <a:latin typeface="Arial" panose="020B0604020202020204" pitchFamily="34" charset="0"/>
-                <a:cs typeface="Arial" panose="020B0604020202020204" pitchFamily="34" charset="0"/>
-              </a:rPr>
-            </a:br>
-            <a:r>
-              <a:rPr lang="en-US" sz="1400" dirty="0">
-                <a:solidFill>
-                  <a:schemeClr val="tx1"/>
-                </a:solidFill>
-                <a:latin typeface="Arial" panose="020B0604020202020204" pitchFamily="34" charset="0"/>
-                <a:cs typeface="Arial" panose="020B0604020202020204" pitchFamily="34" charset="0"/>
-              </a:rPr>
-              <a:t>Service X</a:t>
-            </a:r>
-          </a:p>
-        </p:txBody>
-      </p:sp>
+            </a:lnRef>
+            <a:fillRef idx="1">
+              <a:schemeClr val="accent1"/>
+            </a:fillRef>
+            <a:effectRef idx="0">
+              <a:schemeClr val="accent1"/>
+            </a:effectRef>
+            <a:fontRef idx="minor">
+              <a:schemeClr val="lt1"/>
+            </a:fontRef>
+          </p:style>
+          <p:txBody>
+            <a:bodyPr wrap="none" rtlCol="0" anchor="ctr">
+              <a:spAutoFit/>
+            </a:bodyPr>
+            <a:lstStyle/>
+            <a:p>
+              <a:pPr algn="ctr"/>
+              <a:r>
+                <a:rPr lang="en-US" sz="1400" i="1" dirty="0">
+                  <a:solidFill>
+                    <a:schemeClr val="tx1"/>
+                  </a:solidFill>
+                  <a:latin typeface="Arial" panose="020B0604020202020204" pitchFamily="34" charset="0"/>
+                  <a:cs typeface="Arial" panose="020B0604020202020204" pitchFamily="34" charset="0"/>
+                </a:rPr>
+                <a:t>Outsourced</a:t>
+              </a:r>
+              <a:br>
+                <a:rPr lang="en-US" sz="1400" i="1" dirty="0">
+                  <a:solidFill>
+                    <a:schemeClr val="tx1"/>
+                  </a:solidFill>
+                  <a:latin typeface="Arial" panose="020B0604020202020204" pitchFamily="34" charset="0"/>
+                  <a:cs typeface="Arial" panose="020B0604020202020204" pitchFamily="34" charset="0"/>
+                </a:rPr>
+              </a:br>
+              <a:r>
+                <a:rPr lang="en-US" sz="1400" i="1" dirty="0">
+                  <a:solidFill>
+                    <a:schemeClr val="tx1"/>
+                  </a:solidFill>
+                  <a:latin typeface="Arial" panose="020B0604020202020204" pitchFamily="34" charset="0"/>
+                  <a:cs typeface="Arial" panose="020B0604020202020204" pitchFamily="34" charset="0"/>
+                </a:rPr>
+                <a:t>(delegated)</a:t>
+              </a:r>
+              <a:br>
+                <a:rPr lang="en-US" sz="1400" i="1" dirty="0">
+                  <a:solidFill>
+                    <a:schemeClr val="tx1"/>
+                  </a:solidFill>
+                  <a:latin typeface="Arial" panose="020B0604020202020204" pitchFamily="34" charset="0"/>
+                  <a:cs typeface="Arial" panose="020B0604020202020204" pitchFamily="34" charset="0"/>
+                </a:rPr>
+              </a:br>
+              <a:r>
+                <a:rPr lang="en-US" sz="1400" dirty="0">
+                  <a:solidFill>
+                    <a:schemeClr val="tx1"/>
+                  </a:solidFill>
+                  <a:latin typeface="Arial" panose="020B0604020202020204" pitchFamily="34" charset="0"/>
+                  <a:cs typeface="Arial" panose="020B0604020202020204" pitchFamily="34" charset="0"/>
+                </a:rPr>
+                <a:t>Payment</a:t>
+              </a:r>
+              <a:br>
+                <a:rPr lang="en-US" sz="1400" dirty="0">
+                  <a:solidFill>
+                    <a:schemeClr val="tx1"/>
+                  </a:solidFill>
+                  <a:latin typeface="Arial" panose="020B0604020202020204" pitchFamily="34" charset="0"/>
+                  <a:cs typeface="Arial" panose="020B0604020202020204" pitchFamily="34" charset="0"/>
+                </a:rPr>
+              </a:br>
+              <a:r>
+                <a:rPr lang="en-US" sz="1400" dirty="0">
+                  <a:solidFill>
+                    <a:schemeClr val="tx1"/>
+                  </a:solidFill>
+                  <a:latin typeface="Arial" panose="020B0604020202020204" pitchFamily="34" charset="0"/>
+                  <a:cs typeface="Arial" panose="020B0604020202020204" pitchFamily="34" charset="0"/>
+                </a:rPr>
+                <a:t>Service X</a:t>
+              </a:r>
+            </a:p>
+          </p:txBody>
+        </p:sp>
+      </p:grpSp>
       <p:sp>
         <p:nvSpPr>
           <p:cNvPr id="7" name="Rectangle 6">

--- a/research/revised-open-banking-architecture.pptx
+++ b/research/revised-open-banking-architecture.pptx
@@ -5,16 +5,16 @@
     <p:sldMasterId id="2147483648" r:id="rId1"/>
   </p:sldMasterIdLst>
   <p:sldIdLst>
-    <p:sldId id="256" r:id="rId2"/>
+    <p:sldId id="257" r:id="rId2"/>
   </p:sldIdLst>
-  <p:sldSz cx="8821738" cy="5221288"/>
+  <p:sldSz cx="9144000" cy="6858000" type="screen4x3"/>
   <p:notesSz cx="6858000" cy="9144000"/>
   <p:defaultTextStyle>
     <a:defPPr>
       <a:defRPr lang="en-US"/>
     </a:defPPr>
-    <a:lvl1pPr marL="0" algn="l" defTabSz="720090" rtl="0" eaLnBrk="1" latinLnBrk="0" hangingPunct="1">
-      <a:defRPr sz="1400" kern="1200">
+    <a:lvl1pPr marL="0" algn="l" defTabSz="914400" rtl="0" eaLnBrk="1" latinLnBrk="0" hangingPunct="1">
+      <a:defRPr sz="1800" kern="1200">
         <a:solidFill>
           <a:schemeClr val="tx1"/>
         </a:solidFill>
@@ -23,8 +23,8 @@
         <a:cs typeface="+mn-cs"/>
       </a:defRPr>
     </a:lvl1pPr>
-    <a:lvl2pPr marL="360045" algn="l" defTabSz="720090" rtl="0" eaLnBrk="1" latinLnBrk="0" hangingPunct="1">
-      <a:defRPr sz="1400" kern="1200">
+    <a:lvl2pPr marL="457200" algn="l" defTabSz="914400" rtl="0" eaLnBrk="1" latinLnBrk="0" hangingPunct="1">
+      <a:defRPr sz="1800" kern="1200">
         <a:solidFill>
           <a:schemeClr val="tx1"/>
         </a:solidFill>
@@ -33,8 +33,8 @@
         <a:cs typeface="+mn-cs"/>
       </a:defRPr>
     </a:lvl2pPr>
-    <a:lvl3pPr marL="720090" algn="l" defTabSz="720090" rtl="0" eaLnBrk="1" latinLnBrk="0" hangingPunct="1">
-      <a:defRPr sz="1400" kern="1200">
+    <a:lvl3pPr marL="914400" algn="l" defTabSz="914400" rtl="0" eaLnBrk="1" latinLnBrk="0" hangingPunct="1">
+      <a:defRPr sz="1800" kern="1200">
         <a:solidFill>
           <a:schemeClr val="tx1"/>
         </a:solidFill>
@@ -43,8 +43,8 @@
         <a:cs typeface="+mn-cs"/>
       </a:defRPr>
     </a:lvl3pPr>
-    <a:lvl4pPr marL="1080135" algn="l" defTabSz="720090" rtl="0" eaLnBrk="1" latinLnBrk="0" hangingPunct="1">
-      <a:defRPr sz="1400" kern="1200">
+    <a:lvl4pPr marL="1371600" algn="l" defTabSz="914400" rtl="0" eaLnBrk="1" latinLnBrk="0" hangingPunct="1">
+      <a:defRPr sz="1800" kern="1200">
         <a:solidFill>
           <a:schemeClr val="tx1"/>
         </a:solidFill>
@@ -53,8 +53,8 @@
         <a:cs typeface="+mn-cs"/>
       </a:defRPr>
     </a:lvl4pPr>
-    <a:lvl5pPr marL="1440180" algn="l" defTabSz="720090" rtl="0" eaLnBrk="1" latinLnBrk="0" hangingPunct="1">
-      <a:defRPr sz="1400" kern="1200">
+    <a:lvl5pPr marL="1828800" algn="l" defTabSz="914400" rtl="0" eaLnBrk="1" latinLnBrk="0" hangingPunct="1">
+      <a:defRPr sz="1800" kern="1200">
         <a:solidFill>
           <a:schemeClr val="tx1"/>
         </a:solidFill>
@@ -63,8 +63,8 @@
         <a:cs typeface="+mn-cs"/>
       </a:defRPr>
     </a:lvl5pPr>
-    <a:lvl6pPr marL="1800225" algn="l" defTabSz="720090" rtl="0" eaLnBrk="1" latinLnBrk="0" hangingPunct="1">
-      <a:defRPr sz="1400" kern="1200">
+    <a:lvl6pPr marL="2286000" algn="l" defTabSz="914400" rtl="0" eaLnBrk="1" latinLnBrk="0" hangingPunct="1">
+      <a:defRPr sz="1800" kern="1200">
         <a:solidFill>
           <a:schemeClr val="tx1"/>
         </a:solidFill>
@@ -73,8 +73,8 @@
         <a:cs typeface="+mn-cs"/>
       </a:defRPr>
     </a:lvl6pPr>
-    <a:lvl7pPr marL="2160270" algn="l" defTabSz="720090" rtl="0" eaLnBrk="1" latinLnBrk="0" hangingPunct="1">
-      <a:defRPr sz="1400" kern="1200">
+    <a:lvl7pPr marL="2743200" algn="l" defTabSz="914400" rtl="0" eaLnBrk="1" latinLnBrk="0" hangingPunct="1">
+      <a:defRPr sz="1800" kern="1200">
         <a:solidFill>
           <a:schemeClr val="tx1"/>
         </a:solidFill>
@@ -83,8 +83,8 @@
         <a:cs typeface="+mn-cs"/>
       </a:defRPr>
     </a:lvl7pPr>
-    <a:lvl8pPr marL="2520315" algn="l" defTabSz="720090" rtl="0" eaLnBrk="1" latinLnBrk="0" hangingPunct="1">
-      <a:defRPr sz="1400" kern="1200">
+    <a:lvl8pPr marL="3200400" algn="l" defTabSz="914400" rtl="0" eaLnBrk="1" latinLnBrk="0" hangingPunct="1">
+      <a:defRPr sz="1800" kern="1200">
         <a:solidFill>
           <a:schemeClr val="tx1"/>
         </a:solidFill>
@@ -93,8 +93,8 @@
         <a:cs typeface="+mn-cs"/>
       </a:defRPr>
     </a:lvl8pPr>
-    <a:lvl9pPr marL="2880360" algn="l" defTabSz="720090" rtl="0" eaLnBrk="1" latinLnBrk="0" hangingPunct="1">
-      <a:defRPr sz="1400" kern="1200">
+    <a:lvl9pPr marL="3657600" algn="l" defTabSz="914400" rtl="0" eaLnBrk="1" latinLnBrk="0" hangingPunct="1">
+      <a:defRPr sz="1800" kern="1200">
         <a:solidFill>
           <a:schemeClr val="tx1"/>
         </a:solidFill>
@@ -107,12 +107,12 @@
   <p:extLst>
     <p:ext uri="{EFAFB233-063F-42B5-8137-9DF3F51BA10A}">
       <p15:sldGuideLst xmlns:p15="http://schemas.microsoft.com/office/powerpoint/2012/main">
-        <p15:guide id="1" orient="horz" pos="1645">
+        <p15:guide id="1" orient="horz" pos="2160">
           <p15:clr>
             <a:srgbClr val="A4A3A4"/>
           </p15:clr>
         </p15:guide>
-        <p15:guide id="2" pos="2779">
+        <p15:guide id="2" pos="2880">
           <p15:clr>
             <a:srgbClr val="A4A3A4"/>
           </p15:clr>
@@ -152,8 +152,8 @@
         </p:nvSpPr>
         <p:spPr>
           <a:xfrm>
-            <a:off x="661632" y="1621985"/>
-            <a:ext cx="7498478" cy="1119193"/>
+            <a:off x="685800" y="2130425"/>
+            <a:ext cx="7772400" cy="1470025"/>
           </a:xfrm>
         </p:spPr>
         <p:txBody>
@@ -179,8 +179,8 @@
         </p:nvSpPr>
         <p:spPr>
           <a:xfrm>
-            <a:off x="1323262" y="2958731"/>
-            <a:ext cx="6175217" cy="1334329"/>
+            <a:off x="1371600" y="3886200"/>
+            <a:ext cx="6400800" cy="1752600"/>
           </a:xfrm>
         </p:spPr>
         <p:txBody>
@@ -196,7 +196,7 @@
                 </a:solidFill>
               </a:defRPr>
             </a:lvl1pPr>
-            <a:lvl2pPr marL="360045" indent="0" algn="ctr">
+            <a:lvl2pPr marL="457200" indent="0" algn="ctr">
               <a:buNone/>
               <a:defRPr>
                 <a:solidFill>
@@ -206,7 +206,7 @@
                 </a:solidFill>
               </a:defRPr>
             </a:lvl2pPr>
-            <a:lvl3pPr marL="720090" indent="0" algn="ctr">
+            <a:lvl3pPr marL="914400" indent="0" algn="ctr">
               <a:buNone/>
               <a:defRPr>
                 <a:solidFill>
@@ -216,7 +216,7 @@
                 </a:solidFill>
               </a:defRPr>
             </a:lvl3pPr>
-            <a:lvl4pPr marL="1080135" indent="0" algn="ctr">
+            <a:lvl4pPr marL="1371600" indent="0" algn="ctr">
               <a:buNone/>
               <a:defRPr>
                 <a:solidFill>
@@ -226,7 +226,7 @@
                 </a:solidFill>
               </a:defRPr>
             </a:lvl4pPr>
-            <a:lvl5pPr marL="1440180" indent="0" algn="ctr">
+            <a:lvl5pPr marL="1828800" indent="0" algn="ctr">
               <a:buNone/>
               <a:defRPr>
                 <a:solidFill>
@@ -236,7 +236,7 @@
                 </a:solidFill>
               </a:defRPr>
             </a:lvl5pPr>
-            <a:lvl6pPr marL="1800225" indent="0" algn="ctr">
+            <a:lvl6pPr marL="2286000" indent="0" algn="ctr">
               <a:buNone/>
               <a:defRPr>
                 <a:solidFill>
@@ -246,7 +246,7 @@
                 </a:solidFill>
               </a:defRPr>
             </a:lvl6pPr>
-            <a:lvl7pPr marL="2160270" indent="0" algn="ctr">
+            <a:lvl7pPr marL="2743200" indent="0" algn="ctr">
               <a:buNone/>
               <a:defRPr>
                 <a:solidFill>
@@ -256,7 +256,7 @@
                 </a:solidFill>
               </a:defRPr>
             </a:lvl7pPr>
-            <a:lvl8pPr marL="2520315" indent="0" algn="ctr">
+            <a:lvl8pPr marL="3200400" indent="0" algn="ctr">
               <a:buNone/>
               <a:defRPr>
                 <a:solidFill>
@@ -266,7 +266,7 @@
                 </a:solidFill>
               </a:defRPr>
             </a:lvl8pPr>
-            <a:lvl9pPr marL="2880360" indent="0" algn="ctr">
+            <a:lvl9pPr marL="3657600" indent="0" algn="ctr">
               <a:buNone/>
               <a:defRPr>
                 <a:solidFill>
@@ -302,7 +302,7 @@
           <a:p>
             <a:fld id="{FE398CD6-77FF-42E1-B299-E17665EBA674}" type="datetimeFigureOut">
               <a:rPr lang="en-US" smtClean="0"/>
-              <a:t>2024-01-01</a:t>
+              <a:t>2024-01-02</a:t>
             </a:fld>
             <a:endParaRPr lang="en-US"/>
           </a:p>
@@ -470,7 +470,7 @@
           <a:p>
             <a:fld id="{FE398CD6-77FF-42E1-B299-E17665EBA674}" type="datetimeFigureOut">
               <a:rPr lang="en-US" smtClean="0"/>
-              <a:t>2024-01-01</a:t>
+              <a:t>2024-01-02</a:t>
             </a:fld>
             <a:endParaRPr lang="en-US"/>
           </a:p>
@@ -560,8 +560,8 @@
         </p:nvSpPr>
         <p:spPr>
           <a:xfrm>
-            <a:off x="6395761" y="209094"/>
-            <a:ext cx="1984891" cy="4455016"/>
+            <a:off x="6629400" y="274638"/>
+            <a:ext cx="2057400" cy="5851525"/>
           </a:xfrm>
         </p:spPr>
         <p:txBody>
@@ -587,8 +587,8 @@
         </p:nvSpPr>
         <p:spPr>
           <a:xfrm>
-            <a:off x="441088" y="209094"/>
-            <a:ext cx="5807644" cy="4455016"/>
+            <a:off x="457200" y="274638"/>
+            <a:ext cx="6019800" cy="5851525"/>
           </a:xfrm>
         </p:spPr>
         <p:txBody>
@@ -648,7 +648,7 @@
           <a:p>
             <a:fld id="{FE398CD6-77FF-42E1-B299-E17665EBA674}" type="datetimeFigureOut">
               <a:rPr lang="en-US" smtClean="0"/>
-              <a:t>2024-01-01</a:t>
+              <a:t>2024-01-02</a:t>
             </a:fld>
             <a:endParaRPr lang="en-US"/>
           </a:p>
@@ -816,7 +816,7 @@
           <a:p>
             <a:fld id="{FE398CD6-77FF-42E1-B299-E17665EBA674}" type="datetimeFigureOut">
               <a:rPr lang="en-US" smtClean="0"/>
-              <a:t>2024-01-01</a:t>
+              <a:t>2024-01-02</a:t>
             </a:fld>
             <a:endParaRPr lang="en-US"/>
           </a:p>
@@ -906,15 +906,15 @@
         </p:nvSpPr>
         <p:spPr>
           <a:xfrm>
-            <a:off x="696857" y="3355161"/>
-            <a:ext cx="7498478" cy="1037006"/>
+            <a:off x="722313" y="4406900"/>
+            <a:ext cx="7772400" cy="1362075"/>
           </a:xfrm>
         </p:spPr>
         <p:txBody>
           <a:bodyPr anchor="t"/>
           <a:lstStyle>
             <a:lvl1pPr algn="l">
-              <a:defRPr sz="3200" b="1" cap="all"/>
+              <a:defRPr sz="4000" b="1" cap="all"/>
             </a:lvl1pPr>
           </a:lstStyle>
           <a:p>
@@ -937,8 +937,8 @@
         </p:nvSpPr>
         <p:spPr>
           <a:xfrm>
-            <a:off x="696857" y="2213007"/>
-            <a:ext cx="7498478" cy="1142156"/>
+            <a:off x="722313" y="2906713"/>
+            <a:ext cx="7772400" cy="1500187"/>
           </a:xfrm>
         </p:spPr>
         <p:txBody>
@@ -946,7 +946,7 @@
           <a:lstStyle>
             <a:lvl1pPr marL="0" indent="0">
               <a:buNone/>
-              <a:defRPr sz="1600">
+              <a:defRPr sz="2000">
                 <a:solidFill>
                   <a:schemeClr val="tx1">
                     <a:tint val="75000"/>
@@ -954,9 +954,9 @@
                 </a:solidFill>
               </a:defRPr>
             </a:lvl1pPr>
-            <a:lvl2pPr marL="360045" indent="0">
+            <a:lvl2pPr marL="457200" indent="0">
               <a:buNone/>
-              <a:defRPr sz="1400">
+              <a:defRPr sz="1800">
                 <a:solidFill>
                   <a:schemeClr val="tx1">
                     <a:tint val="75000"/>
@@ -964,9 +964,9 @@
                 </a:solidFill>
               </a:defRPr>
             </a:lvl2pPr>
-            <a:lvl3pPr marL="720090" indent="0">
+            <a:lvl3pPr marL="914400" indent="0">
               <a:buNone/>
-              <a:defRPr sz="1300">
+              <a:defRPr sz="1600">
                 <a:solidFill>
                   <a:schemeClr val="tx1">
                     <a:tint val="75000"/>
@@ -974,9 +974,9 @@
                 </a:solidFill>
               </a:defRPr>
             </a:lvl3pPr>
-            <a:lvl4pPr marL="1080135" indent="0">
+            <a:lvl4pPr marL="1371600" indent="0">
               <a:buNone/>
-              <a:defRPr sz="1100">
+              <a:defRPr sz="1400">
                 <a:solidFill>
                   <a:schemeClr val="tx1">
                     <a:tint val="75000"/>
@@ -984,9 +984,9 @@
                 </a:solidFill>
               </a:defRPr>
             </a:lvl4pPr>
-            <a:lvl5pPr marL="1440180" indent="0">
+            <a:lvl5pPr marL="1828800" indent="0">
               <a:buNone/>
-              <a:defRPr sz="1100">
+              <a:defRPr sz="1400">
                 <a:solidFill>
                   <a:schemeClr val="tx1">
                     <a:tint val="75000"/>
@@ -994,9 +994,9 @@
                 </a:solidFill>
               </a:defRPr>
             </a:lvl5pPr>
-            <a:lvl6pPr marL="1800225" indent="0">
+            <a:lvl6pPr marL="2286000" indent="0">
               <a:buNone/>
-              <a:defRPr sz="1100">
+              <a:defRPr sz="1400">
                 <a:solidFill>
                   <a:schemeClr val="tx1">
                     <a:tint val="75000"/>
@@ -1004,9 +1004,9 @@
                 </a:solidFill>
               </a:defRPr>
             </a:lvl6pPr>
-            <a:lvl7pPr marL="2160270" indent="0">
+            <a:lvl7pPr marL="2743200" indent="0">
               <a:buNone/>
-              <a:defRPr sz="1100">
+              <a:defRPr sz="1400">
                 <a:solidFill>
                   <a:schemeClr val="tx1">
                     <a:tint val="75000"/>
@@ -1014,9 +1014,9 @@
                 </a:solidFill>
               </a:defRPr>
             </a:lvl7pPr>
-            <a:lvl8pPr marL="2520315" indent="0">
+            <a:lvl8pPr marL="3200400" indent="0">
               <a:buNone/>
-              <a:defRPr sz="1100">
+              <a:defRPr sz="1400">
                 <a:solidFill>
                   <a:schemeClr val="tx1">
                     <a:tint val="75000"/>
@@ -1024,9 +1024,9 @@
                 </a:solidFill>
               </a:defRPr>
             </a:lvl8pPr>
-            <a:lvl9pPr marL="2880360" indent="0">
+            <a:lvl9pPr marL="3657600" indent="0">
               <a:buNone/>
-              <a:defRPr sz="1100">
+              <a:defRPr sz="1400">
                 <a:solidFill>
                   <a:schemeClr val="tx1">
                     <a:tint val="75000"/>
@@ -1061,7 +1061,7 @@
           <a:p>
             <a:fld id="{FE398CD6-77FF-42E1-B299-E17665EBA674}" type="datetimeFigureOut">
               <a:rPr lang="en-US" smtClean="0"/>
-              <a:t>2024-01-01</a:t>
+              <a:t>2024-01-02</a:t>
             </a:fld>
             <a:endParaRPr lang="en-US"/>
           </a:p>
@@ -1173,39 +1173,39 @@
         </p:nvSpPr>
         <p:spPr>
           <a:xfrm>
-            <a:off x="441087" y="1218302"/>
-            <a:ext cx="3896268" cy="3445809"/>
+            <a:off x="457200" y="1600200"/>
+            <a:ext cx="4038600" cy="4525963"/>
           </a:xfrm>
         </p:spPr>
         <p:txBody>
           <a:bodyPr/>
           <a:lstStyle>
             <a:lvl1pPr>
-              <a:defRPr sz="2200"/>
+              <a:defRPr sz="2800"/>
             </a:lvl1pPr>
             <a:lvl2pPr>
-              <a:defRPr sz="1900"/>
+              <a:defRPr sz="2400"/>
             </a:lvl2pPr>
             <a:lvl3pPr>
-              <a:defRPr sz="1600"/>
+              <a:defRPr sz="2000"/>
             </a:lvl3pPr>
             <a:lvl4pPr>
-              <a:defRPr sz="1400"/>
+              <a:defRPr sz="1800"/>
             </a:lvl4pPr>
             <a:lvl5pPr>
-              <a:defRPr sz="1400"/>
+              <a:defRPr sz="1800"/>
             </a:lvl5pPr>
             <a:lvl6pPr>
-              <a:defRPr sz="1400"/>
+              <a:defRPr sz="1800"/>
             </a:lvl6pPr>
             <a:lvl7pPr>
-              <a:defRPr sz="1400"/>
+              <a:defRPr sz="1800"/>
             </a:lvl7pPr>
             <a:lvl8pPr>
-              <a:defRPr sz="1400"/>
+              <a:defRPr sz="1800"/>
             </a:lvl8pPr>
             <a:lvl9pPr>
-              <a:defRPr sz="1400"/>
+              <a:defRPr sz="1800"/>
             </a:lvl9pPr>
           </a:lstStyle>
           <a:p>
@@ -1257,39 +1257,39 @@
         </p:nvSpPr>
         <p:spPr>
           <a:xfrm>
-            <a:off x="4484385" y="1218302"/>
-            <a:ext cx="3896268" cy="3445809"/>
+            <a:off x="4648200" y="1600200"/>
+            <a:ext cx="4038600" cy="4525963"/>
           </a:xfrm>
         </p:spPr>
         <p:txBody>
           <a:bodyPr/>
           <a:lstStyle>
             <a:lvl1pPr>
-              <a:defRPr sz="2200"/>
+              <a:defRPr sz="2800"/>
             </a:lvl1pPr>
             <a:lvl2pPr>
-              <a:defRPr sz="1900"/>
+              <a:defRPr sz="2400"/>
             </a:lvl2pPr>
             <a:lvl3pPr>
-              <a:defRPr sz="1600"/>
+              <a:defRPr sz="2000"/>
             </a:lvl3pPr>
             <a:lvl4pPr>
-              <a:defRPr sz="1400"/>
+              <a:defRPr sz="1800"/>
             </a:lvl4pPr>
             <a:lvl5pPr>
-              <a:defRPr sz="1400"/>
+              <a:defRPr sz="1800"/>
             </a:lvl5pPr>
             <a:lvl6pPr>
-              <a:defRPr sz="1400"/>
+              <a:defRPr sz="1800"/>
             </a:lvl6pPr>
             <a:lvl7pPr>
-              <a:defRPr sz="1400"/>
+              <a:defRPr sz="1800"/>
             </a:lvl7pPr>
             <a:lvl8pPr>
-              <a:defRPr sz="1400"/>
+              <a:defRPr sz="1800"/>
             </a:lvl8pPr>
             <a:lvl9pPr>
-              <a:defRPr sz="1400"/>
+              <a:defRPr sz="1800"/>
             </a:lvl9pPr>
           </a:lstStyle>
           <a:p>
@@ -1346,7 +1346,7 @@
           <a:p>
             <a:fld id="{FE398CD6-77FF-42E1-B299-E17665EBA674}" type="datetimeFigureOut">
               <a:rPr lang="en-US" smtClean="0"/>
-              <a:t>2024-01-01</a:t>
+              <a:t>2024-01-02</a:t>
             </a:fld>
             <a:endParaRPr lang="en-US"/>
           </a:p>
@@ -1462,8 +1462,8 @@
         </p:nvSpPr>
         <p:spPr>
           <a:xfrm>
-            <a:off x="441087" y="1168749"/>
-            <a:ext cx="3897800" cy="487079"/>
+            <a:off x="457200" y="1535113"/>
+            <a:ext cx="4040188" cy="639762"/>
           </a:xfrm>
         </p:spPr>
         <p:txBody>
@@ -1471,39 +1471,39 @@
           <a:lstStyle>
             <a:lvl1pPr marL="0" indent="0">
               <a:buNone/>
-              <a:defRPr sz="1900" b="1"/>
+              <a:defRPr sz="2400" b="1"/>
             </a:lvl1pPr>
-            <a:lvl2pPr marL="360045" indent="0">
+            <a:lvl2pPr marL="457200" indent="0">
+              <a:buNone/>
+              <a:defRPr sz="2000" b="1"/>
+            </a:lvl2pPr>
+            <a:lvl3pPr marL="914400" indent="0">
+              <a:buNone/>
+              <a:defRPr sz="1800" b="1"/>
+            </a:lvl3pPr>
+            <a:lvl4pPr marL="1371600" indent="0">
               <a:buNone/>
               <a:defRPr sz="1600" b="1"/>
-            </a:lvl2pPr>
-            <a:lvl3pPr marL="720090" indent="0">
+            </a:lvl4pPr>
+            <a:lvl5pPr marL="1828800" indent="0">
               <a:buNone/>
-              <a:defRPr sz="1400" b="1"/>
-            </a:lvl3pPr>
-            <a:lvl4pPr marL="1080135" indent="0">
+              <a:defRPr sz="1600" b="1"/>
+            </a:lvl5pPr>
+            <a:lvl6pPr marL="2286000" indent="0">
               <a:buNone/>
-              <a:defRPr sz="1300" b="1"/>
-            </a:lvl4pPr>
-            <a:lvl5pPr marL="1440180" indent="0">
+              <a:defRPr sz="1600" b="1"/>
+            </a:lvl6pPr>
+            <a:lvl7pPr marL="2743200" indent="0">
               <a:buNone/>
-              <a:defRPr sz="1300" b="1"/>
-            </a:lvl5pPr>
-            <a:lvl6pPr marL="1800225" indent="0">
+              <a:defRPr sz="1600" b="1"/>
+            </a:lvl7pPr>
+            <a:lvl8pPr marL="3200400" indent="0">
               <a:buNone/>
-              <a:defRPr sz="1300" b="1"/>
-            </a:lvl6pPr>
-            <a:lvl7pPr marL="2160270" indent="0">
+              <a:defRPr sz="1600" b="1"/>
+            </a:lvl8pPr>
+            <a:lvl9pPr marL="3657600" indent="0">
               <a:buNone/>
-              <a:defRPr sz="1300" b="1"/>
-            </a:lvl7pPr>
-            <a:lvl8pPr marL="2520315" indent="0">
-              <a:buNone/>
-              <a:defRPr sz="1300" b="1"/>
-            </a:lvl8pPr>
-            <a:lvl9pPr marL="2880360" indent="0">
-              <a:buNone/>
-              <a:defRPr sz="1300" b="1"/>
+              <a:defRPr sz="1600" b="1"/>
             </a:lvl9pPr>
           </a:lstStyle>
           <a:p>
@@ -1527,39 +1527,39 @@
         </p:nvSpPr>
         <p:spPr>
           <a:xfrm>
-            <a:off x="441087" y="1655825"/>
-            <a:ext cx="3897800" cy="3008284"/>
+            <a:off x="457200" y="2174875"/>
+            <a:ext cx="4040188" cy="3951288"/>
           </a:xfrm>
         </p:spPr>
         <p:txBody>
           <a:bodyPr/>
           <a:lstStyle>
             <a:lvl1pPr>
-              <a:defRPr sz="1900"/>
+              <a:defRPr sz="2400"/>
             </a:lvl1pPr>
             <a:lvl2pPr>
-              <a:defRPr sz="1600"/>
+              <a:defRPr sz="2000"/>
             </a:lvl2pPr>
             <a:lvl3pPr>
-              <a:defRPr sz="1400"/>
+              <a:defRPr sz="1800"/>
             </a:lvl3pPr>
             <a:lvl4pPr>
-              <a:defRPr sz="1300"/>
+              <a:defRPr sz="1600"/>
             </a:lvl4pPr>
             <a:lvl5pPr>
-              <a:defRPr sz="1300"/>
+              <a:defRPr sz="1600"/>
             </a:lvl5pPr>
             <a:lvl6pPr>
-              <a:defRPr sz="1300"/>
+              <a:defRPr sz="1600"/>
             </a:lvl6pPr>
             <a:lvl7pPr>
-              <a:defRPr sz="1300"/>
+              <a:defRPr sz="1600"/>
             </a:lvl7pPr>
             <a:lvl8pPr>
-              <a:defRPr sz="1300"/>
+              <a:defRPr sz="1600"/>
             </a:lvl8pPr>
             <a:lvl9pPr>
-              <a:defRPr sz="1300"/>
+              <a:defRPr sz="1600"/>
             </a:lvl9pPr>
           </a:lstStyle>
           <a:p>
@@ -1611,8 +1611,8 @@
         </p:nvSpPr>
         <p:spPr>
           <a:xfrm>
-            <a:off x="4481321" y="1168749"/>
-            <a:ext cx="3899330" cy="487079"/>
+            <a:off x="4645025" y="1535113"/>
+            <a:ext cx="4041775" cy="639762"/>
           </a:xfrm>
         </p:spPr>
         <p:txBody>
@@ -1620,39 +1620,39 @@
           <a:lstStyle>
             <a:lvl1pPr marL="0" indent="0">
               <a:buNone/>
-              <a:defRPr sz="1900" b="1"/>
+              <a:defRPr sz="2400" b="1"/>
             </a:lvl1pPr>
-            <a:lvl2pPr marL="360045" indent="0">
+            <a:lvl2pPr marL="457200" indent="0">
+              <a:buNone/>
+              <a:defRPr sz="2000" b="1"/>
+            </a:lvl2pPr>
+            <a:lvl3pPr marL="914400" indent="0">
+              <a:buNone/>
+              <a:defRPr sz="1800" b="1"/>
+            </a:lvl3pPr>
+            <a:lvl4pPr marL="1371600" indent="0">
               <a:buNone/>
               <a:defRPr sz="1600" b="1"/>
-            </a:lvl2pPr>
-            <a:lvl3pPr marL="720090" indent="0">
+            </a:lvl4pPr>
+            <a:lvl5pPr marL="1828800" indent="0">
               <a:buNone/>
-              <a:defRPr sz="1400" b="1"/>
-            </a:lvl3pPr>
-            <a:lvl4pPr marL="1080135" indent="0">
+              <a:defRPr sz="1600" b="1"/>
+            </a:lvl5pPr>
+            <a:lvl6pPr marL="2286000" indent="0">
               <a:buNone/>
-              <a:defRPr sz="1300" b="1"/>
-            </a:lvl4pPr>
-            <a:lvl5pPr marL="1440180" indent="0">
+              <a:defRPr sz="1600" b="1"/>
+            </a:lvl6pPr>
+            <a:lvl7pPr marL="2743200" indent="0">
               <a:buNone/>
-              <a:defRPr sz="1300" b="1"/>
-            </a:lvl5pPr>
-            <a:lvl6pPr marL="1800225" indent="0">
+              <a:defRPr sz="1600" b="1"/>
+            </a:lvl7pPr>
+            <a:lvl8pPr marL="3200400" indent="0">
               <a:buNone/>
-              <a:defRPr sz="1300" b="1"/>
-            </a:lvl6pPr>
-            <a:lvl7pPr marL="2160270" indent="0">
+              <a:defRPr sz="1600" b="1"/>
+            </a:lvl8pPr>
+            <a:lvl9pPr marL="3657600" indent="0">
               <a:buNone/>
-              <a:defRPr sz="1300" b="1"/>
-            </a:lvl7pPr>
-            <a:lvl8pPr marL="2520315" indent="0">
-              <a:buNone/>
-              <a:defRPr sz="1300" b="1"/>
-            </a:lvl8pPr>
-            <a:lvl9pPr marL="2880360" indent="0">
-              <a:buNone/>
-              <a:defRPr sz="1300" b="1"/>
+              <a:defRPr sz="1600" b="1"/>
             </a:lvl9pPr>
           </a:lstStyle>
           <a:p>
@@ -1676,39 +1676,39 @@
         </p:nvSpPr>
         <p:spPr>
           <a:xfrm>
-            <a:off x="4481321" y="1655825"/>
-            <a:ext cx="3899330" cy="3008284"/>
+            <a:off x="4645025" y="2174875"/>
+            <a:ext cx="4041775" cy="3951288"/>
           </a:xfrm>
         </p:spPr>
         <p:txBody>
           <a:bodyPr/>
           <a:lstStyle>
             <a:lvl1pPr>
-              <a:defRPr sz="1900"/>
+              <a:defRPr sz="2400"/>
             </a:lvl1pPr>
             <a:lvl2pPr>
-              <a:defRPr sz="1600"/>
+              <a:defRPr sz="2000"/>
             </a:lvl2pPr>
             <a:lvl3pPr>
-              <a:defRPr sz="1400"/>
+              <a:defRPr sz="1800"/>
             </a:lvl3pPr>
             <a:lvl4pPr>
-              <a:defRPr sz="1300"/>
+              <a:defRPr sz="1600"/>
             </a:lvl4pPr>
             <a:lvl5pPr>
-              <a:defRPr sz="1300"/>
+              <a:defRPr sz="1600"/>
             </a:lvl5pPr>
             <a:lvl6pPr>
-              <a:defRPr sz="1300"/>
+              <a:defRPr sz="1600"/>
             </a:lvl6pPr>
             <a:lvl7pPr>
-              <a:defRPr sz="1300"/>
+              <a:defRPr sz="1600"/>
             </a:lvl7pPr>
             <a:lvl8pPr>
-              <a:defRPr sz="1300"/>
+              <a:defRPr sz="1600"/>
             </a:lvl8pPr>
             <a:lvl9pPr>
-              <a:defRPr sz="1300"/>
+              <a:defRPr sz="1600"/>
             </a:lvl9pPr>
           </a:lstStyle>
           <a:p>
@@ -1765,7 +1765,7 @@
           <a:p>
             <a:fld id="{FE398CD6-77FF-42E1-B299-E17665EBA674}" type="datetimeFigureOut">
               <a:rPr lang="en-US" smtClean="0"/>
-              <a:t>2024-01-01</a:t>
+              <a:t>2024-01-02</a:t>
             </a:fld>
             <a:endParaRPr lang="en-US"/>
           </a:p>
@@ -1882,7 +1882,7 @@
           <a:p>
             <a:fld id="{FE398CD6-77FF-42E1-B299-E17665EBA674}" type="datetimeFigureOut">
               <a:rPr lang="en-US" smtClean="0"/>
-              <a:t>2024-01-01</a:t>
+              <a:t>2024-01-02</a:t>
             </a:fld>
             <a:endParaRPr lang="en-US"/>
           </a:p>
@@ -1977,7 +1977,7 @@
           <a:p>
             <a:fld id="{FE398CD6-77FF-42E1-B299-E17665EBA674}" type="datetimeFigureOut">
               <a:rPr lang="en-US" smtClean="0"/>
-              <a:t>2024-01-01</a:t>
+              <a:t>2024-01-02</a:t>
             </a:fld>
             <a:endParaRPr lang="en-US"/>
           </a:p>
@@ -2067,15 +2067,15 @@
         </p:nvSpPr>
         <p:spPr>
           <a:xfrm>
-            <a:off x="441088" y="207886"/>
-            <a:ext cx="2902291" cy="884718"/>
+            <a:off x="457200" y="273050"/>
+            <a:ext cx="3008313" cy="1162050"/>
           </a:xfrm>
         </p:spPr>
         <p:txBody>
           <a:bodyPr anchor="b"/>
           <a:lstStyle>
             <a:lvl1pPr algn="l">
-              <a:defRPr sz="1600" b="1"/>
+              <a:defRPr sz="2000" b="1"/>
             </a:lvl1pPr>
           </a:lstStyle>
           <a:p>
@@ -2098,39 +2098,39 @@
         </p:nvSpPr>
         <p:spPr>
           <a:xfrm>
-            <a:off x="3449056" y="207886"/>
-            <a:ext cx="4931597" cy="4456224"/>
+            <a:off x="3575050" y="273050"/>
+            <a:ext cx="5111750" cy="5853113"/>
           </a:xfrm>
         </p:spPr>
         <p:txBody>
           <a:bodyPr/>
           <a:lstStyle>
             <a:lvl1pPr>
-              <a:defRPr sz="2500"/>
+              <a:defRPr sz="3200"/>
             </a:lvl1pPr>
             <a:lvl2pPr>
-              <a:defRPr sz="2200"/>
+              <a:defRPr sz="2800"/>
             </a:lvl2pPr>
             <a:lvl3pPr>
-              <a:defRPr sz="1900"/>
+              <a:defRPr sz="2400"/>
             </a:lvl3pPr>
             <a:lvl4pPr>
-              <a:defRPr sz="1600"/>
+              <a:defRPr sz="2000"/>
             </a:lvl4pPr>
             <a:lvl5pPr>
-              <a:defRPr sz="1600"/>
+              <a:defRPr sz="2000"/>
             </a:lvl5pPr>
             <a:lvl6pPr>
-              <a:defRPr sz="1600"/>
+              <a:defRPr sz="2000"/>
             </a:lvl6pPr>
             <a:lvl7pPr>
-              <a:defRPr sz="1600"/>
+              <a:defRPr sz="2000"/>
             </a:lvl7pPr>
             <a:lvl8pPr>
-              <a:defRPr sz="1600"/>
+              <a:defRPr sz="2000"/>
             </a:lvl8pPr>
             <a:lvl9pPr>
-              <a:defRPr sz="1600"/>
+              <a:defRPr sz="2000"/>
             </a:lvl9pPr>
           </a:lstStyle>
           <a:p>
@@ -2182,8 +2182,8 @@
         </p:nvSpPr>
         <p:spPr>
           <a:xfrm>
-            <a:off x="441088" y="1092604"/>
-            <a:ext cx="2902291" cy="3571507"/>
+            <a:off x="457200" y="1435100"/>
+            <a:ext cx="3008313" cy="4691063"/>
           </a:xfrm>
         </p:spPr>
         <p:txBody>
@@ -2191,39 +2191,39 @@
           <a:lstStyle>
             <a:lvl1pPr marL="0" indent="0">
               <a:buNone/>
-              <a:defRPr sz="1100"/>
+              <a:defRPr sz="1400"/>
             </a:lvl1pPr>
-            <a:lvl2pPr marL="360045" indent="0">
+            <a:lvl2pPr marL="457200" indent="0">
+              <a:buNone/>
+              <a:defRPr sz="1200"/>
+            </a:lvl2pPr>
+            <a:lvl3pPr marL="914400" indent="0">
+              <a:buNone/>
+              <a:defRPr sz="1000"/>
+            </a:lvl3pPr>
+            <a:lvl4pPr marL="1371600" indent="0">
               <a:buNone/>
               <a:defRPr sz="900"/>
-            </a:lvl2pPr>
-            <a:lvl3pPr marL="720090" indent="0">
+            </a:lvl4pPr>
+            <a:lvl5pPr marL="1828800" indent="0">
               <a:buNone/>
-              <a:defRPr sz="800"/>
-            </a:lvl3pPr>
-            <a:lvl4pPr marL="1080135" indent="0">
+              <a:defRPr sz="900"/>
+            </a:lvl5pPr>
+            <a:lvl6pPr marL="2286000" indent="0">
               <a:buNone/>
-              <a:defRPr sz="700"/>
-            </a:lvl4pPr>
-            <a:lvl5pPr marL="1440180" indent="0">
+              <a:defRPr sz="900"/>
+            </a:lvl6pPr>
+            <a:lvl7pPr marL="2743200" indent="0">
               <a:buNone/>
-              <a:defRPr sz="700"/>
-            </a:lvl5pPr>
-            <a:lvl6pPr marL="1800225" indent="0">
+              <a:defRPr sz="900"/>
+            </a:lvl7pPr>
+            <a:lvl8pPr marL="3200400" indent="0">
               <a:buNone/>
-              <a:defRPr sz="700"/>
-            </a:lvl6pPr>
-            <a:lvl7pPr marL="2160270" indent="0">
+              <a:defRPr sz="900"/>
+            </a:lvl8pPr>
+            <a:lvl9pPr marL="3657600" indent="0">
               <a:buNone/>
-              <a:defRPr sz="700"/>
-            </a:lvl7pPr>
-            <a:lvl8pPr marL="2520315" indent="0">
-              <a:buNone/>
-              <a:defRPr sz="700"/>
-            </a:lvl8pPr>
-            <a:lvl9pPr marL="2880360" indent="0">
-              <a:buNone/>
-              <a:defRPr sz="700"/>
+              <a:defRPr sz="900"/>
             </a:lvl9pPr>
           </a:lstStyle>
           <a:p>
@@ -2252,7 +2252,7 @@
           <a:p>
             <a:fld id="{FE398CD6-77FF-42E1-B299-E17665EBA674}" type="datetimeFigureOut">
               <a:rPr lang="en-US" smtClean="0"/>
-              <a:t>2024-01-01</a:t>
+              <a:t>2024-01-02</a:t>
             </a:fld>
             <a:endParaRPr lang="en-US"/>
           </a:p>
@@ -2342,15 +2342,15 @@
         </p:nvSpPr>
         <p:spPr>
           <a:xfrm>
-            <a:off x="1729122" y="3654902"/>
-            <a:ext cx="5293043" cy="431482"/>
+            <a:off x="1792288" y="4800600"/>
+            <a:ext cx="5486400" cy="566738"/>
           </a:xfrm>
         </p:spPr>
         <p:txBody>
           <a:bodyPr anchor="b"/>
           <a:lstStyle>
             <a:lvl1pPr algn="l">
-              <a:defRPr sz="1600" b="1"/>
+              <a:defRPr sz="2000" b="1"/>
             </a:lvl1pPr>
           </a:lstStyle>
           <a:p>
@@ -2373,8 +2373,8 @@
         </p:nvSpPr>
         <p:spPr>
           <a:xfrm>
-            <a:off x="1729122" y="466534"/>
-            <a:ext cx="5293043" cy="3132773"/>
+            <a:off x="1792288" y="612775"/>
+            <a:ext cx="5486400" cy="4114800"/>
           </a:xfrm>
         </p:spPr>
         <p:txBody>
@@ -2382,39 +2382,39 @@
           <a:lstStyle>
             <a:lvl1pPr marL="0" indent="0">
               <a:buNone/>
-              <a:defRPr sz="2500"/>
+              <a:defRPr sz="3200"/>
             </a:lvl1pPr>
-            <a:lvl2pPr marL="360045" indent="0">
+            <a:lvl2pPr marL="457200" indent="0">
               <a:buNone/>
-              <a:defRPr sz="2200"/>
+              <a:defRPr sz="2800"/>
             </a:lvl2pPr>
-            <a:lvl3pPr marL="720090" indent="0">
+            <a:lvl3pPr marL="914400" indent="0">
               <a:buNone/>
-              <a:defRPr sz="1900"/>
+              <a:defRPr sz="2400"/>
             </a:lvl3pPr>
-            <a:lvl4pPr marL="1080135" indent="0">
+            <a:lvl4pPr marL="1371600" indent="0">
               <a:buNone/>
-              <a:defRPr sz="1600"/>
+              <a:defRPr sz="2000"/>
             </a:lvl4pPr>
-            <a:lvl5pPr marL="1440180" indent="0">
+            <a:lvl5pPr marL="1828800" indent="0">
               <a:buNone/>
-              <a:defRPr sz="1600"/>
+              <a:defRPr sz="2000"/>
             </a:lvl5pPr>
-            <a:lvl6pPr marL="1800225" indent="0">
+            <a:lvl6pPr marL="2286000" indent="0">
               <a:buNone/>
-              <a:defRPr sz="1600"/>
+              <a:defRPr sz="2000"/>
             </a:lvl6pPr>
-            <a:lvl7pPr marL="2160270" indent="0">
+            <a:lvl7pPr marL="2743200" indent="0">
               <a:buNone/>
-              <a:defRPr sz="1600"/>
+              <a:defRPr sz="2000"/>
             </a:lvl7pPr>
-            <a:lvl8pPr marL="2520315" indent="0">
+            <a:lvl8pPr marL="3200400" indent="0">
               <a:buNone/>
-              <a:defRPr sz="1600"/>
+              <a:defRPr sz="2000"/>
             </a:lvl8pPr>
-            <a:lvl9pPr marL="2880360" indent="0">
+            <a:lvl9pPr marL="3657600" indent="0">
               <a:buNone/>
-              <a:defRPr sz="1600"/>
+              <a:defRPr sz="2000"/>
             </a:lvl9pPr>
           </a:lstStyle>
           <a:p>
@@ -2434,8 +2434,8 @@
         </p:nvSpPr>
         <p:spPr>
           <a:xfrm>
-            <a:off x="1729122" y="4086383"/>
-            <a:ext cx="5293043" cy="612776"/>
+            <a:off x="1792288" y="5367338"/>
+            <a:ext cx="5486400" cy="804862"/>
           </a:xfrm>
         </p:spPr>
         <p:txBody>
@@ -2443,39 +2443,39 @@
           <a:lstStyle>
             <a:lvl1pPr marL="0" indent="0">
               <a:buNone/>
-              <a:defRPr sz="1100"/>
+              <a:defRPr sz="1400"/>
             </a:lvl1pPr>
-            <a:lvl2pPr marL="360045" indent="0">
+            <a:lvl2pPr marL="457200" indent="0">
+              <a:buNone/>
+              <a:defRPr sz="1200"/>
+            </a:lvl2pPr>
+            <a:lvl3pPr marL="914400" indent="0">
+              <a:buNone/>
+              <a:defRPr sz="1000"/>
+            </a:lvl3pPr>
+            <a:lvl4pPr marL="1371600" indent="0">
               <a:buNone/>
               <a:defRPr sz="900"/>
-            </a:lvl2pPr>
-            <a:lvl3pPr marL="720090" indent="0">
+            </a:lvl4pPr>
+            <a:lvl5pPr marL="1828800" indent="0">
               <a:buNone/>
-              <a:defRPr sz="800"/>
-            </a:lvl3pPr>
-            <a:lvl4pPr marL="1080135" indent="0">
+              <a:defRPr sz="900"/>
+            </a:lvl5pPr>
+            <a:lvl6pPr marL="2286000" indent="0">
               <a:buNone/>
-              <a:defRPr sz="700"/>
-            </a:lvl4pPr>
-            <a:lvl5pPr marL="1440180" indent="0">
+              <a:defRPr sz="900"/>
+            </a:lvl6pPr>
+            <a:lvl7pPr marL="2743200" indent="0">
               <a:buNone/>
-              <a:defRPr sz="700"/>
-            </a:lvl5pPr>
-            <a:lvl6pPr marL="1800225" indent="0">
+              <a:defRPr sz="900"/>
+            </a:lvl7pPr>
+            <a:lvl8pPr marL="3200400" indent="0">
               <a:buNone/>
-              <a:defRPr sz="700"/>
-            </a:lvl6pPr>
-            <a:lvl7pPr marL="2160270" indent="0">
+              <a:defRPr sz="900"/>
+            </a:lvl8pPr>
+            <a:lvl9pPr marL="3657600" indent="0">
               <a:buNone/>
-              <a:defRPr sz="700"/>
-            </a:lvl7pPr>
-            <a:lvl8pPr marL="2520315" indent="0">
-              <a:buNone/>
-              <a:defRPr sz="700"/>
-            </a:lvl8pPr>
-            <a:lvl9pPr marL="2880360" indent="0">
-              <a:buNone/>
-              <a:defRPr sz="700"/>
+              <a:defRPr sz="900"/>
             </a:lvl9pPr>
           </a:lstStyle>
           <a:p>
@@ -2504,7 +2504,7 @@
           <a:p>
             <a:fld id="{FE398CD6-77FF-42E1-B299-E17665EBA674}" type="datetimeFigureOut">
               <a:rPr lang="en-US" smtClean="0"/>
-              <a:t>2024-01-01</a:t>
+              <a:t>2024-01-02</a:t>
             </a:fld>
             <a:endParaRPr lang="en-US"/>
           </a:p>
@@ -2599,15 +2599,15 @@
         </p:nvSpPr>
         <p:spPr>
           <a:xfrm>
-            <a:off x="441088" y="209095"/>
-            <a:ext cx="7939565" cy="870215"/>
+            <a:off x="457200" y="274638"/>
+            <a:ext cx="8229600" cy="1143000"/>
           </a:xfrm>
           <a:prstGeom prst="rect">
             <a:avLst/>
           </a:prstGeom>
         </p:spPr>
         <p:txBody>
-          <a:bodyPr vert="horz" lIns="72009" tIns="36005" rIns="72009" bIns="36005" rtlCol="0" anchor="ctr">
+          <a:bodyPr vert="horz" lIns="91440" tIns="45720" rIns="91440" bIns="45720" rtlCol="0" anchor="ctr">
             <a:normAutofit/>
           </a:bodyPr>
           <a:lstStyle/>
@@ -2631,15 +2631,15 @@
         </p:nvSpPr>
         <p:spPr>
           <a:xfrm>
-            <a:off x="441088" y="1218302"/>
-            <a:ext cx="7939565" cy="3445809"/>
+            <a:off x="457200" y="1600200"/>
+            <a:ext cx="8229600" cy="4525963"/>
           </a:xfrm>
           <a:prstGeom prst="rect">
             <a:avLst/>
           </a:prstGeom>
         </p:spPr>
         <p:txBody>
-          <a:bodyPr vert="horz" lIns="72009" tIns="36005" rIns="72009" bIns="36005" rtlCol="0">
+          <a:bodyPr vert="horz" lIns="91440" tIns="45720" rIns="91440" bIns="45720" rtlCol="0">
             <a:normAutofit/>
           </a:bodyPr>
           <a:lstStyle/>
@@ -2692,18 +2692,18 @@
         </p:nvSpPr>
         <p:spPr>
           <a:xfrm>
-            <a:off x="441089" y="4839362"/>
-            <a:ext cx="2058405" cy="277985"/>
+            <a:off x="457200" y="6356350"/>
+            <a:ext cx="2133600" cy="365125"/>
           </a:xfrm>
           <a:prstGeom prst="rect">
             <a:avLst/>
           </a:prstGeom>
         </p:spPr>
         <p:txBody>
-          <a:bodyPr vert="horz" lIns="72009" tIns="36005" rIns="72009" bIns="36005" rtlCol="0" anchor="ctr"/>
+          <a:bodyPr vert="horz" lIns="91440" tIns="45720" rIns="91440" bIns="45720" rtlCol="0" anchor="ctr"/>
           <a:lstStyle>
             <a:lvl1pPr algn="l">
-              <a:defRPr sz="900">
+              <a:defRPr sz="1200">
                 <a:solidFill>
                   <a:schemeClr val="tx1">
                     <a:tint val="75000"/>
@@ -2715,7 +2715,7 @@
           <a:p>
             <a:fld id="{FE398CD6-77FF-42E1-B299-E17665EBA674}" type="datetimeFigureOut">
               <a:rPr lang="en-US" smtClean="0"/>
-              <a:t>2024-01-01</a:t>
+              <a:t>2024-01-02</a:t>
             </a:fld>
             <a:endParaRPr lang="en-US"/>
           </a:p>
@@ -2733,18 +2733,18 @@
         </p:nvSpPr>
         <p:spPr>
           <a:xfrm>
-            <a:off x="3014096" y="4839362"/>
-            <a:ext cx="2793551" cy="277985"/>
+            <a:off x="3124200" y="6356350"/>
+            <a:ext cx="2895600" cy="365125"/>
           </a:xfrm>
           <a:prstGeom prst="rect">
             <a:avLst/>
           </a:prstGeom>
         </p:spPr>
         <p:txBody>
-          <a:bodyPr vert="horz" lIns="72009" tIns="36005" rIns="72009" bIns="36005" rtlCol="0" anchor="ctr"/>
+          <a:bodyPr vert="horz" lIns="91440" tIns="45720" rIns="91440" bIns="45720" rtlCol="0" anchor="ctr"/>
           <a:lstStyle>
             <a:lvl1pPr algn="ctr">
-              <a:defRPr sz="900">
+              <a:defRPr sz="1200">
                 <a:solidFill>
                   <a:schemeClr val="tx1">
                     <a:tint val="75000"/>
@@ -2770,18 +2770,18 @@
         </p:nvSpPr>
         <p:spPr>
           <a:xfrm>
-            <a:off x="6322247" y="4839362"/>
-            <a:ext cx="2058405" cy="277985"/>
+            <a:off x="6553200" y="6356350"/>
+            <a:ext cx="2133600" cy="365125"/>
           </a:xfrm>
           <a:prstGeom prst="rect">
             <a:avLst/>
           </a:prstGeom>
         </p:spPr>
         <p:txBody>
-          <a:bodyPr vert="horz" lIns="72009" tIns="36005" rIns="72009" bIns="36005" rtlCol="0" anchor="ctr"/>
+          <a:bodyPr vert="horz" lIns="91440" tIns="45720" rIns="91440" bIns="45720" rtlCol="0" anchor="ctr"/>
           <a:lstStyle>
             <a:lvl1pPr algn="r">
-              <a:defRPr sz="900">
+              <a:defRPr sz="1200">
                 <a:solidFill>
                   <a:schemeClr val="tx1">
                     <a:tint val="75000"/>
@@ -2822,12 +2822,12 @@
   </p:sldLayoutIdLst>
   <p:txStyles>
     <p:titleStyle>
-      <a:lvl1pPr algn="ctr" defTabSz="720090" rtl="0" eaLnBrk="1" latinLnBrk="0" hangingPunct="1">
+      <a:lvl1pPr algn="ctr" defTabSz="914400" rtl="0" eaLnBrk="1" latinLnBrk="0" hangingPunct="1">
         <a:spcBef>
           <a:spcPct val="0"/>
         </a:spcBef>
         <a:buNone/>
-        <a:defRPr sz="3500" kern="1200">
+        <a:defRPr sz="4400" kern="1200">
           <a:solidFill>
             <a:schemeClr val="tx1"/>
           </a:solidFill>
@@ -2838,13 +2838,13 @@
       </a:lvl1pPr>
     </p:titleStyle>
     <p:bodyStyle>
-      <a:lvl1pPr marL="270034" indent="-270034" algn="l" defTabSz="720090" rtl="0" eaLnBrk="1" latinLnBrk="0" hangingPunct="1">
+      <a:lvl1pPr marL="342900" indent="-342900" algn="l" defTabSz="914400" rtl="0" eaLnBrk="1" latinLnBrk="0" hangingPunct="1">
         <a:spcBef>
           <a:spcPct val="20000"/>
         </a:spcBef>
         <a:buFont typeface="Arial" panose="020B0604020202020204" pitchFamily="34" charset="0"/>
         <a:buChar char="•"/>
-        <a:defRPr sz="2500" kern="1200">
+        <a:defRPr sz="3200" kern="1200">
           <a:solidFill>
             <a:schemeClr val="tx1"/>
           </a:solidFill>
@@ -2853,13 +2853,13 @@
           <a:cs typeface="+mn-cs"/>
         </a:defRPr>
       </a:lvl1pPr>
-      <a:lvl2pPr marL="585073" indent="-225028" algn="l" defTabSz="720090" rtl="0" eaLnBrk="1" latinLnBrk="0" hangingPunct="1">
+      <a:lvl2pPr marL="742950" indent="-285750" algn="l" defTabSz="914400" rtl="0" eaLnBrk="1" latinLnBrk="0" hangingPunct="1">
         <a:spcBef>
           <a:spcPct val="20000"/>
         </a:spcBef>
         <a:buFont typeface="Arial" panose="020B0604020202020204" pitchFamily="34" charset="0"/>
         <a:buChar char="–"/>
-        <a:defRPr sz="2200" kern="1200">
+        <a:defRPr sz="2800" kern="1200">
           <a:solidFill>
             <a:schemeClr val="tx1"/>
           </a:solidFill>
@@ -2868,13 +2868,13 @@
           <a:cs typeface="+mn-cs"/>
         </a:defRPr>
       </a:lvl2pPr>
-      <a:lvl3pPr marL="900113" indent="-180023" algn="l" defTabSz="720090" rtl="0" eaLnBrk="1" latinLnBrk="0" hangingPunct="1">
+      <a:lvl3pPr marL="1143000" indent="-228600" algn="l" defTabSz="914400" rtl="0" eaLnBrk="1" latinLnBrk="0" hangingPunct="1">
         <a:spcBef>
           <a:spcPct val="20000"/>
         </a:spcBef>
         <a:buFont typeface="Arial" panose="020B0604020202020204" pitchFamily="34" charset="0"/>
         <a:buChar char="•"/>
-        <a:defRPr sz="1900" kern="1200">
+        <a:defRPr sz="2400" kern="1200">
           <a:solidFill>
             <a:schemeClr val="tx1"/>
           </a:solidFill>
@@ -2883,13 +2883,13 @@
           <a:cs typeface="+mn-cs"/>
         </a:defRPr>
       </a:lvl3pPr>
-      <a:lvl4pPr marL="1260158" indent="-180023" algn="l" defTabSz="720090" rtl="0" eaLnBrk="1" latinLnBrk="0" hangingPunct="1">
+      <a:lvl4pPr marL="1600200" indent="-228600" algn="l" defTabSz="914400" rtl="0" eaLnBrk="1" latinLnBrk="0" hangingPunct="1">
         <a:spcBef>
           <a:spcPct val="20000"/>
         </a:spcBef>
         <a:buFont typeface="Arial" panose="020B0604020202020204" pitchFamily="34" charset="0"/>
         <a:buChar char="–"/>
-        <a:defRPr sz="1600" kern="1200">
+        <a:defRPr sz="2000" kern="1200">
           <a:solidFill>
             <a:schemeClr val="tx1"/>
           </a:solidFill>
@@ -2898,13 +2898,13 @@
           <a:cs typeface="+mn-cs"/>
         </a:defRPr>
       </a:lvl4pPr>
-      <a:lvl5pPr marL="1620203" indent="-180023" algn="l" defTabSz="720090" rtl="0" eaLnBrk="1" latinLnBrk="0" hangingPunct="1">
+      <a:lvl5pPr marL="2057400" indent="-228600" algn="l" defTabSz="914400" rtl="0" eaLnBrk="1" latinLnBrk="0" hangingPunct="1">
         <a:spcBef>
           <a:spcPct val="20000"/>
         </a:spcBef>
         <a:buFont typeface="Arial" panose="020B0604020202020204" pitchFamily="34" charset="0"/>
         <a:buChar char="»"/>
-        <a:defRPr sz="1600" kern="1200">
+        <a:defRPr sz="2000" kern="1200">
           <a:solidFill>
             <a:schemeClr val="tx1"/>
           </a:solidFill>
@@ -2913,13 +2913,13 @@
           <a:cs typeface="+mn-cs"/>
         </a:defRPr>
       </a:lvl5pPr>
-      <a:lvl6pPr marL="1980248" indent="-180023" algn="l" defTabSz="720090" rtl="0" eaLnBrk="1" latinLnBrk="0" hangingPunct="1">
+      <a:lvl6pPr marL="2514600" indent="-228600" algn="l" defTabSz="914400" rtl="0" eaLnBrk="1" latinLnBrk="0" hangingPunct="1">
         <a:spcBef>
           <a:spcPct val="20000"/>
         </a:spcBef>
         <a:buFont typeface="Arial" panose="020B0604020202020204" pitchFamily="34" charset="0"/>
         <a:buChar char="•"/>
-        <a:defRPr sz="1600" kern="1200">
+        <a:defRPr sz="2000" kern="1200">
           <a:solidFill>
             <a:schemeClr val="tx1"/>
           </a:solidFill>
@@ -2928,13 +2928,13 @@
           <a:cs typeface="+mn-cs"/>
         </a:defRPr>
       </a:lvl6pPr>
-      <a:lvl7pPr marL="2340293" indent="-180023" algn="l" defTabSz="720090" rtl="0" eaLnBrk="1" latinLnBrk="0" hangingPunct="1">
+      <a:lvl7pPr marL="2971800" indent="-228600" algn="l" defTabSz="914400" rtl="0" eaLnBrk="1" latinLnBrk="0" hangingPunct="1">
         <a:spcBef>
           <a:spcPct val="20000"/>
         </a:spcBef>
         <a:buFont typeface="Arial" panose="020B0604020202020204" pitchFamily="34" charset="0"/>
         <a:buChar char="•"/>
-        <a:defRPr sz="1600" kern="1200">
+        <a:defRPr sz="2000" kern="1200">
           <a:solidFill>
             <a:schemeClr val="tx1"/>
           </a:solidFill>
@@ -2943,13 +2943,13 @@
           <a:cs typeface="+mn-cs"/>
         </a:defRPr>
       </a:lvl7pPr>
-      <a:lvl8pPr marL="2700338" indent="-180023" algn="l" defTabSz="720090" rtl="0" eaLnBrk="1" latinLnBrk="0" hangingPunct="1">
+      <a:lvl8pPr marL="3429000" indent="-228600" algn="l" defTabSz="914400" rtl="0" eaLnBrk="1" latinLnBrk="0" hangingPunct="1">
         <a:spcBef>
           <a:spcPct val="20000"/>
         </a:spcBef>
         <a:buFont typeface="Arial" panose="020B0604020202020204" pitchFamily="34" charset="0"/>
         <a:buChar char="•"/>
-        <a:defRPr sz="1600" kern="1200">
+        <a:defRPr sz="2000" kern="1200">
           <a:solidFill>
             <a:schemeClr val="tx1"/>
           </a:solidFill>
@@ -2958,13 +2958,13 @@
           <a:cs typeface="+mn-cs"/>
         </a:defRPr>
       </a:lvl8pPr>
-      <a:lvl9pPr marL="3060383" indent="-180023" algn="l" defTabSz="720090" rtl="0" eaLnBrk="1" latinLnBrk="0" hangingPunct="1">
+      <a:lvl9pPr marL="3886200" indent="-228600" algn="l" defTabSz="914400" rtl="0" eaLnBrk="1" latinLnBrk="0" hangingPunct="1">
         <a:spcBef>
           <a:spcPct val="20000"/>
         </a:spcBef>
         <a:buFont typeface="Arial" panose="020B0604020202020204" pitchFamily="34" charset="0"/>
         <a:buChar char="•"/>
-        <a:defRPr sz="1600" kern="1200">
+        <a:defRPr sz="2000" kern="1200">
           <a:solidFill>
             <a:schemeClr val="tx1"/>
           </a:solidFill>
@@ -2978,8 +2978,8 @@
       <a:defPPr>
         <a:defRPr lang="en-US"/>
       </a:defPPr>
-      <a:lvl1pPr marL="0" algn="l" defTabSz="720090" rtl="0" eaLnBrk="1" latinLnBrk="0" hangingPunct="1">
-        <a:defRPr sz="1400" kern="1200">
+      <a:lvl1pPr marL="0" algn="l" defTabSz="914400" rtl="0" eaLnBrk="1" latinLnBrk="0" hangingPunct="1">
+        <a:defRPr sz="1800" kern="1200">
           <a:solidFill>
             <a:schemeClr val="tx1"/>
           </a:solidFill>
@@ -2988,8 +2988,8 @@
           <a:cs typeface="+mn-cs"/>
         </a:defRPr>
       </a:lvl1pPr>
-      <a:lvl2pPr marL="360045" algn="l" defTabSz="720090" rtl="0" eaLnBrk="1" latinLnBrk="0" hangingPunct="1">
-        <a:defRPr sz="1400" kern="1200">
+      <a:lvl2pPr marL="457200" algn="l" defTabSz="914400" rtl="0" eaLnBrk="1" latinLnBrk="0" hangingPunct="1">
+        <a:defRPr sz="1800" kern="1200">
           <a:solidFill>
             <a:schemeClr val="tx1"/>
           </a:solidFill>
@@ -2998,8 +2998,8 @@
           <a:cs typeface="+mn-cs"/>
         </a:defRPr>
       </a:lvl2pPr>
-      <a:lvl3pPr marL="720090" algn="l" defTabSz="720090" rtl="0" eaLnBrk="1" latinLnBrk="0" hangingPunct="1">
-        <a:defRPr sz="1400" kern="1200">
+      <a:lvl3pPr marL="914400" algn="l" defTabSz="914400" rtl="0" eaLnBrk="1" latinLnBrk="0" hangingPunct="1">
+        <a:defRPr sz="1800" kern="1200">
           <a:solidFill>
             <a:schemeClr val="tx1"/>
           </a:solidFill>
@@ -3008,8 +3008,8 @@
           <a:cs typeface="+mn-cs"/>
         </a:defRPr>
       </a:lvl3pPr>
-      <a:lvl4pPr marL="1080135" algn="l" defTabSz="720090" rtl="0" eaLnBrk="1" latinLnBrk="0" hangingPunct="1">
-        <a:defRPr sz="1400" kern="1200">
+      <a:lvl4pPr marL="1371600" algn="l" defTabSz="914400" rtl="0" eaLnBrk="1" latinLnBrk="0" hangingPunct="1">
+        <a:defRPr sz="1800" kern="1200">
           <a:solidFill>
             <a:schemeClr val="tx1"/>
           </a:solidFill>
@@ -3018,8 +3018,8 @@
           <a:cs typeface="+mn-cs"/>
         </a:defRPr>
       </a:lvl4pPr>
-      <a:lvl5pPr marL="1440180" algn="l" defTabSz="720090" rtl="0" eaLnBrk="1" latinLnBrk="0" hangingPunct="1">
-        <a:defRPr sz="1400" kern="1200">
+      <a:lvl5pPr marL="1828800" algn="l" defTabSz="914400" rtl="0" eaLnBrk="1" latinLnBrk="0" hangingPunct="1">
+        <a:defRPr sz="1800" kern="1200">
           <a:solidFill>
             <a:schemeClr val="tx1"/>
           </a:solidFill>
@@ -3028,8 +3028,8 @@
           <a:cs typeface="+mn-cs"/>
         </a:defRPr>
       </a:lvl5pPr>
-      <a:lvl6pPr marL="1800225" algn="l" defTabSz="720090" rtl="0" eaLnBrk="1" latinLnBrk="0" hangingPunct="1">
-        <a:defRPr sz="1400" kern="1200">
+      <a:lvl6pPr marL="2286000" algn="l" defTabSz="914400" rtl="0" eaLnBrk="1" latinLnBrk="0" hangingPunct="1">
+        <a:defRPr sz="1800" kern="1200">
           <a:solidFill>
             <a:schemeClr val="tx1"/>
           </a:solidFill>
@@ -3038,8 +3038,8 @@
           <a:cs typeface="+mn-cs"/>
         </a:defRPr>
       </a:lvl6pPr>
-      <a:lvl7pPr marL="2160270" algn="l" defTabSz="720090" rtl="0" eaLnBrk="1" latinLnBrk="0" hangingPunct="1">
-        <a:defRPr sz="1400" kern="1200">
+      <a:lvl7pPr marL="2743200" algn="l" defTabSz="914400" rtl="0" eaLnBrk="1" latinLnBrk="0" hangingPunct="1">
+        <a:defRPr sz="1800" kern="1200">
           <a:solidFill>
             <a:schemeClr val="tx1"/>
           </a:solidFill>
@@ -3048,8 +3048,8 @@
           <a:cs typeface="+mn-cs"/>
         </a:defRPr>
       </a:lvl7pPr>
-      <a:lvl8pPr marL="2520315" algn="l" defTabSz="720090" rtl="0" eaLnBrk="1" latinLnBrk="0" hangingPunct="1">
-        <a:defRPr sz="1400" kern="1200">
+      <a:lvl8pPr marL="3200400" algn="l" defTabSz="914400" rtl="0" eaLnBrk="1" latinLnBrk="0" hangingPunct="1">
+        <a:defRPr sz="1800" kern="1200">
           <a:solidFill>
             <a:schemeClr val="tx1"/>
           </a:solidFill>
@@ -3058,8 +3058,8 @@
           <a:cs typeface="+mn-cs"/>
         </a:defRPr>
       </a:lvl8pPr>
-      <a:lvl9pPr marL="2880360" algn="l" defTabSz="720090" rtl="0" eaLnBrk="1" latinLnBrk="0" hangingPunct="1">
-        <a:defRPr sz="1400" kern="1200">
+      <a:lvl9pPr marL="3657600" algn="l" defTabSz="914400" rtl="0" eaLnBrk="1" latinLnBrk="0" hangingPunct="1">
+        <a:defRPr sz="1800" kern="1200">
           <a:solidFill>
             <a:schemeClr val="tx1"/>
           </a:solidFill>
@@ -3104,8 +3104,8 @@
         </p:nvSpPr>
         <p:spPr>
           <a:xfrm>
-            <a:off x="3697755" y="3020116"/>
-            <a:ext cx="214673" cy="756000"/>
+            <a:off x="3693996" y="3853430"/>
+            <a:ext cx="222515" cy="783617"/>
           </a:xfrm>
           <a:prstGeom prst="downArrow">
             <a:avLst/>
@@ -3157,7 +3157,7 @@
           <a:lstStyle/>
           <a:p>
             <a:pPr algn="ctr"/>
-            <a:endParaRPr lang="en-US"/>
+            <a:endParaRPr lang="en-US" sz="1866"/>
           </a:p>
         </p:txBody>
       </p:sp>
@@ -3175,8 +3175,8 @@
         </p:nvSpPr>
         <p:spPr>
           <a:xfrm>
-            <a:off x="5036479" y="3020116"/>
-            <a:ext cx="214673" cy="756000"/>
+            <a:off x="5161504" y="3853430"/>
+            <a:ext cx="222515" cy="783617"/>
           </a:xfrm>
           <a:prstGeom prst="downArrow">
             <a:avLst/>
@@ -3228,7 +3228,7 @@
           <a:lstStyle/>
           <a:p>
             <a:pPr algn="ctr"/>
-            <a:endParaRPr lang="en-US"/>
+            <a:endParaRPr lang="en-US" sz="1866"/>
           </a:p>
         </p:txBody>
       </p:sp>
@@ -3246,8 +3246,8 @@
         </p:nvSpPr>
         <p:spPr>
           <a:xfrm>
-            <a:off x="1222235" y="3020116"/>
-            <a:ext cx="214673" cy="756000"/>
+            <a:off x="1266883" y="3853430"/>
+            <a:ext cx="222515" cy="783617"/>
           </a:xfrm>
           <a:prstGeom prst="downArrow">
             <a:avLst/>
@@ -3299,7 +3299,7 @@
           <a:lstStyle/>
           <a:p>
             <a:pPr algn="ctr"/>
-            <a:endParaRPr lang="en-US"/>
+            <a:endParaRPr lang="en-US" sz="1866"/>
           </a:p>
         </p:txBody>
       </p:sp>
@@ -3311,8 +3311,8 @@
         </p:nvSpPr>
         <p:spPr>
           <a:xfrm>
-            <a:off x="624537" y="3808588"/>
-            <a:ext cx="5019977" cy="749143"/>
+            <a:off x="647352" y="4670706"/>
+            <a:ext cx="5203359" cy="776510"/>
           </a:xfrm>
           <a:prstGeom prst="roundRect">
             <a:avLst/>
@@ -3334,7 +3334,9 @@
           </a:gradFill>
           <a:ln w="12700">
             <a:solidFill>
-              <a:srgbClr val="BCB800"/>
+              <a:schemeClr val="bg1">
+                <a:lumMod val="50000"/>
+              </a:schemeClr>
             </a:solidFill>
           </a:ln>
           <a:effectLst>
@@ -3367,7 +3369,7 @@
           <a:p>
             <a:pPr algn="ctr"/>
             <a:r>
-              <a:rPr lang="en-US" sz="1400" dirty="0">
+              <a:rPr lang="en-US" sz="1451" dirty="0">
                 <a:solidFill>
                   <a:schemeClr val="tx1"/>
                 </a:solidFill>
@@ -3377,7 +3379,7 @@
               <a:t>Core API Providing</a:t>
             </a:r>
             <a:br>
-              <a:rPr lang="en-US" sz="1400" dirty="0">
+              <a:rPr lang="en-US" sz="1451" dirty="0">
                 <a:solidFill>
                   <a:schemeClr val="tx1"/>
                 </a:solidFill>
@@ -3386,7 +3388,7 @@
               </a:rPr>
             </a:br>
             <a:r>
-              <a:rPr lang="en-US" sz="1400" dirty="0">
+              <a:rPr lang="en-US" sz="1451" dirty="0">
                 <a:solidFill>
                   <a:schemeClr val="tx1"/>
                 </a:solidFill>
@@ -3396,7 +3398,7 @@
               <a:t> </a:t>
             </a:r>
             <a:r>
-              <a:rPr lang="en-US" sz="1400" i="1" dirty="0">
+              <a:rPr lang="en-US" sz="1451" i="1" dirty="0">
                 <a:solidFill>
                   <a:schemeClr val="tx1"/>
                 </a:solidFill>
@@ -3406,7 +3408,7 @@
               <a:t>Account</a:t>
             </a:r>
             <a:r>
-              <a:rPr lang="en-US" sz="1400" dirty="0">
+              <a:rPr lang="en-US" sz="1451" dirty="0">
                 <a:solidFill>
                   <a:schemeClr val="tx1"/>
                 </a:solidFill>
@@ -3416,7 +3418,7 @@
               <a:t> and </a:t>
             </a:r>
             <a:r>
-              <a:rPr lang="en-US" sz="1400" i="1" dirty="0">
+              <a:rPr lang="en-US" sz="1451" i="1" dirty="0">
                 <a:solidFill>
                   <a:schemeClr val="tx1"/>
                 </a:solidFill>
@@ -3426,7 +3428,7 @@
               <a:t>Payment</a:t>
             </a:r>
             <a:r>
-              <a:rPr lang="en-US" sz="1400" dirty="0">
+              <a:rPr lang="en-US" sz="1451" dirty="0">
                 <a:solidFill>
                   <a:schemeClr val="tx1"/>
                 </a:solidFill>
@@ -3446,8 +3448,8 @@
         </p:nvSpPr>
         <p:spPr>
           <a:xfrm>
-            <a:off x="306413" y="2258036"/>
-            <a:ext cx="5652226" cy="2728872"/>
+            <a:off x="317606" y="3063511"/>
+            <a:ext cx="5858705" cy="2828559"/>
           </a:xfrm>
           <a:prstGeom prst="roundRect">
             <a:avLst>
@@ -3480,7 +3482,7 @@
           <a:lstStyle/>
           <a:p>
             <a:pPr algn="ctr"/>
-            <a:endParaRPr lang="en-US"/>
+            <a:endParaRPr lang="en-US" sz="1866"/>
           </a:p>
         </p:txBody>
       </p:sp>
@@ -3492,8 +3494,8 @@
         </p:nvSpPr>
         <p:spPr>
           <a:xfrm>
-            <a:off x="1222235" y="1421586"/>
-            <a:ext cx="214673" cy="1152000"/>
+            <a:off x="1296000" y="2296800"/>
+            <a:ext cx="222515" cy="1080000"/>
           </a:xfrm>
           <a:prstGeom prst="downArrow">
             <a:avLst/>
@@ -3560,7 +3562,7 @@
           <a:lstStyle/>
           <a:p>
             <a:pPr algn="ctr"/>
-            <a:endParaRPr lang="en-US"/>
+            <a:endParaRPr lang="en-US" sz="1866"/>
           </a:p>
         </p:txBody>
       </p:sp>
@@ -3572,8 +3574,8 @@
         </p:nvSpPr>
         <p:spPr>
           <a:xfrm>
-            <a:off x="624537" y="2607826"/>
-            <a:ext cx="1410068" cy="578882"/>
+            <a:off x="641898" y="3417108"/>
+            <a:ext cx="1472485" cy="617971"/>
           </a:xfrm>
           <a:prstGeom prst="roundRect">
             <a:avLst/>
@@ -3620,7 +3622,7 @@
           <a:p>
             <a:pPr algn="ctr"/>
             <a:r>
-              <a:rPr lang="en-US" sz="1400" dirty="0">
+              <a:rPr lang="en-US" sz="1451" dirty="0">
                 <a:solidFill>
                   <a:schemeClr val="tx1"/>
                 </a:solidFill>
@@ -3630,7 +3632,7 @@
               <a:t>Open Banking</a:t>
             </a:r>
             <a:br>
-              <a:rPr lang="en-US" sz="1400" dirty="0">
+              <a:rPr lang="en-US" sz="1451" dirty="0">
                 <a:solidFill>
                   <a:schemeClr val="tx1"/>
                 </a:solidFill>
@@ -3639,7 +3641,7 @@
               </a:rPr>
             </a:br>
             <a:r>
-              <a:rPr lang="en-US" sz="1400" dirty="0">
+              <a:rPr lang="en-US" sz="1451" dirty="0">
                 <a:solidFill>
                   <a:schemeClr val="tx1"/>
                 </a:solidFill>
@@ -3659,8 +3661,8 @@
         </p:nvCxnSpPr>
         <p:spPr>
           <a:xfrm>
-            <a:off x="3330749" y="1123200"/>
-            <a:ext cx="2304000" cy="0"/>
+            <a:off x="3345043" y="1887219"/>
+            <a:ext cx="2500112" cy="0"/>
           </a:xfrm>
           <a:prstGeom prst="line">
             <a:avLst/>
@@ -3697,8 +3699,8 @@
         </p:nvSpPr>
         <p:spPr>
           <a:xfrm>
-            <a:off x="5136217" y="1573200"/>
-            <a:ext cx="504000" cy="1008000"/>
+            <a:off x="5264885" y="2353658"/>
+            <a:ext cx="597042" cy="1044823"/>
           </a:xfrm>
           <a:custGeom>
             <a:avLst/>
@@ -3994,7 +3996,7 @@
           <a:lstStyle/>
           <a:p>
             <a:pPr algn="ctr"/>
-            <a:endParaRPr lang="en-US"/>
+            <a:endParaRPr lang="en-US" sz="1866"/>
           </a:p>
         </p:txBody>
       </p:sp>
@@ -4012,8 +4014,8 @@
         </p:nvGrpSpPr>
         <p:grpSpPr>
           <a:xfrm>
-            <a:off x="415562" y="4021213"/>
-            <a:ext cx="1331011" cy="974851"/>
+            <a:off x="430743" y="4891098"/>
+            <a:ext cx="1379634" cy="1010463"/>
             <a:chOff x="954485" y="3980742"/>
             <a:chExt cx="1331011" cy="974851"/>
           </a:xfrm>
@@ -4067,7 +4069,7 @@
             <a:lstStyle/>
             <a:p>
               <a:pPr algn="ctr"/>
-              <a:endParaRPr lang="en-US"/>
+              <a:endParaRPr lang="en-US" sz="1866"/>
             </a:p>
           </p:txBody>
         </p:sp>
@@ -4133,14 +4135,14 @@
               </a:extLst>
             </p:spPr>
             <p:txBody>
-              <a:bodyPr vert="horz" wrap="square" lIns="91440" tIns="45720" rIns="91440" bIns="45720" numCol="1" anchor="t" anchorCtr="0" compatLnSpc="1">
+              <a:bodyPr vert="horz" wrap="square" lIns="94780" tIns="47390" rIns="94780" bIns="47390" numCol="1" anchor="t" anchorCtr="0" compatLnSpc="1">
                 <a:prstTxWarp prst="textNoShape">
                   <a:avLst/>
                 </a:prstTxWarp>
               </a:bodyPr>
               <a:lstStyle/>
               <a:p>
-                <a:endParaRPr lang="en-US"/>
+                <a:endParaRPr lang="en-US" sz="1866"/>
               </a:p>
             </p:txBody>
           </p:sp>
@@ -4209,7 +4211,7 @@
               <a:lstStyle/>
               <a:p>
                 <a:pPr algn="ctr"/>
-                <a:endParaRPr lang="en-US"/>
+                <a:endParaRPr lang="en-US" sz="1866"/>
               </a:p>
             </p:txBody>
           </p:sp>
@@ -4278,7 +4280,7 @@
               <a:lstStyle/>
               <a:p>
                 <a:pPr algn="ctr"/>
-                <a:endParaRPr lang="en-US"/>
+                <a:endParaRPr lang="en-US" sz="1866"/>
               </a:p>
             </p:txBody>
           </p:sp>
@@ -4347,7 +4349,7 @@
               <a:lstStyle/>
               <a:p>
                 <a:pPr algn="ctr"/>
-                <a:endParaRPr lang="en-US"/>
+                <a:endParaRPr lang="en-US" sz="1866"/>
               </a:p>
             </p:txBody>
           </p:sp>
@@ -4416,7 +4418,7 @@
               <a:lstStyle/>
               <a:p>
                 <a:pPr algn="ctr"/>
-                <a:endParaRPr lang="en-US"/>
+                <a:endParaRPr lang="en-US" sz="1866"/>
               </a:p>
             </p:txBody>
           </p:sp>
@@ -4484,14 +4486,14 @@
               </a:ln>
             </p:spPr>
             <p:txBody>
-              <a:bodyPr vert="horz" wrap="square" lIns="91440" tIns="45720" rIns="91440" bIns="45720" numCol="1" anchor="t" anchorCtr="0" compatLnSpc="1">
+              <a:bodyPr vert="horz" wrap="square" lIns="94780" tIns="47390" rIns="94780" bIns="47390" numCol="1" anchor="t" anchorCtr="0" compatLnSpc="1">
                 <a:prstTxWarp prst="textNoShape">
                   <a:avLst/>
                 </a:prstTxWarp>
               </a:bodyPr>
               <a:lstStyle/>
               <a:p>
-                <a:endParaRPr lang="en-US"/>
+                <a:endParaRPr lang="en-US" sz="1866"/>
               </a:p>
             </p:txBody>
           </p:sp>
@@ -4566,14 +4568,14 @@
               </a:extLst>
             </p:spPr>
             <p:txBody>
-              <a:bodyPr vert="horz" wrap="square" lIns="91440" tIns="45720" rIns="91440" bIns="45720" numCol="1" anchor="t" anchorCtr="0" compatLnSpc="1">
+              <a:bodyPr vert="horz" wrap="square" lIns="94780" tIns="47390" rIns="94780" bIns="47390" numCol="1" anchor="t" anchorCtr="0" compatLnSpc="1">
                 <a:prstTxWarp prst="textNoShape">
                   <a:avLst/>
                 </a:prstTxWarp>
               </a:bodyPr>
               <a:lstStyle/>
               <a:p>
-                <a:endParaRPr lang="en-US"/>
+                <a:endParaRPr lang="en-US" sz="1866"/>
               </a:p>
             </p:txBody>
           </p:sp>
@@ -4607,14 +4609,14 @@
               </a:ln>
             </p:spPr>
             <p:txBody>
-              <a:bodyPr vert="horz" wrap="square" lIns="91440" tIns="45720" rIns="91440" bIns="45720" numCol="1" anchor="t" anchorCtr="0" compatLnSpc="1">
+              <a:bodyPr vert="horz" wrap="square" lIns="94780" tIns="47390" rIns="94780" bIns="47390" numCol="1" anchor="t" anchorCtr="0" compatLnSpc="1">
                 <a:prstTxWarp prst="textNoShape">
                   <a:avLst/>
                 </a:prstTxWarp>
               </a:bodyPr>
               <a:lstStyle/>
               <a:p>
-                <a:endParaRPr lang="en-US" dirty="0"/>
+                <a:endParaRPr lang="en-US" sz="1866" dirty="0"/>
               </a:p>
             </p:txBody>
           </p:sp>
@@ -4648,14 +4650,14 @@
               </a:ln>
             </p:spPr>
             <p:txBody>
-              <a:bodyPr vert="horz" wrap="square" lIns="91440" tIns="45720" rIns="91440" bIns="45720" numCol="1" anchor="t" anchorCtr="0" compatLnSpc="1">
+              <a:bodyPr vert="horz" wrap="square" lIns="94780" tIns="47390" rIns="94780" bIns="47390" numCol="1" anchor="t" anchorCtr="0" compatLnSpc="1">
                 <a:prstTxWarp prst="textNoShape">
                   <a:avLst/>
                 </a:prstTxWarp>
               </a:bodyPr>
               <a:lstStyle/>
               <a:p>
-                <a:endParaRPr lang="en-US"/>
+                <a:endParaRPr lang="en-US" sz="1866"/>
               </a:p>
             </p:txBody>
           </p:sp>
@@ -4689,14 +4691,14 @@
               </a:ln>
             </p:spPr>
             <p:txBody>
-              <a:bodyPr vert="horz" wrap="square" lIns="91440" tIns="45720" rIns="91440" bIns="45720" numCol="1" anchor="t" anchorCtr="0" compatLnSpc="1">
+              <a:bodyPr vert="horz" wrap="square" lIns="94780" tIns="47390" rIns="94780" bIns="47390" numCol="1" anchor="t" anchorCtr="0" compatLnSpc="1">
                 <a:prstTxWarp prst="textNoShape">
                   <a:avLst/>
                 </a:prstTxWarp>
               </a:bodyPr>
               <a:lstStyle/>
               <a:p>
-                <a:endParaRPr lang="en-US"/>
+                <a:endParaRPr lang="en-US" sz="1866"/>
               </a:p>
             </p:txBody>
           </p:sp>
@@ -4710,8 +4712,8 @@
         </p:nvSpPr>
         <p:spPr>
           <a:xfrm>
-            <a:off x="5768645" y="853511"/>
-            <a:ext cx="2710999" cy="954107"/>
+            <a:off x="5979377" y="1609716"/>
+            <a:ext cx="2802370" cy="984885"/>
           </a:xfrm>
           <a:prstGeom prst="rect">
             <a:avLst/>
@@ -4744,7 +4746,7 @@
           <a:lstStyle/>
           <a:p>
             <a:r>
-              <a:rPr lang="en-US" sz="1400" dirty="0">
+              <a:rPr lang="en-US" sz="1450" dirty="0">
                 <a:solidFill>
                   <a:schemeClr val="tx1"/>
                 </a:solidFill>
@@ -4756,17 +4758,17 @@
           </a:p>
           <a:p>
             <a:r>
-              <a:rPr lang="en-US" sz="1400" dirty="0">
+              <a:rPr lang="en-US" sz="1450" dirty="0">
                 <a:solidFill>
                   <a:schemeClr val="tx1"/>
                 </a:solidFill>
                 <a:latin typeface="Arial" panose="020B0604020202020204" pitchFamily="34" charset="0"/>
                 <a:cs typeface="Arial" panose="020B0604020202020204" pitchFamily="34" charset="0"/>
               </a:rPr>
-              <a:t>payment authorization services</a:t>
+              <a:t>application services developed</a:t>
             </a:r>
             <a:br>
-              <a:rPr lang="en-US" sz="1400" dirty="0">
+              <a:rPr lang="en-US" sz="1450" dirty="0">
                 <a:solidFill>
                   <a:schemeClr val="tx1"/>
                 </a:solidFill>
@@ -4775,27 +4777,27 @@
               </a:rPr>
             </a:br>
             <a:r>
-              <a:rPr lang="en-US" sz="1400" dirty="0">
+              <a:rPr lang="en-US" sz="1450" dirty="0">
                 <a:solidFill>
                   <a:schemeClr val="tx1"/>
                 </a:solidFill>
                 <a:latin typeface="Arial" panose="020B0604020202020204" pitchFamily="34" charset="0"/>
                 <a:cs typeface="Arial" panose="020B0604020202020204" pitchFamily="34" charset="0"/>
               </a:rPr>
-              <a:t>developed and </a:t>
-            </a:r>
-            <a:r>
-              <a:rPr lang="en-US" sz="1400" i="1" dirty="0">
+              <a:t>and </a:t>
+            </a:r>
+            <a:r>
+              <a:rPr lang="en-US" sz="1450" i="1" dirty="0">
                 <a:solidFill>
                   <a:schemeClr val="tx1"/>
                 </a:solidFill>
                 <a:latin typeface="Arial" panose="020B0604020202020204" pitchFamily="34" charset="0"/>
                 <a:cs typeface="Arial" panose="020B0604020202020204" pitchFamily="34" charset="0"/>
               </a:rPr>
-              <a:t>provided by the</a:t>
+              <a:t>provided by the respective</a:t>
             </a:r>
             <a:br>
-              <a:rPr lang="en-US" sz="1400" i="1" dirty="0">
+              <a:rPr lang="en-US" sz="1450" i="1" dirty="0">
                 <a:solidFill>
                   <a:schemeClr val="tx1"/>
                 </a:solidFill>
@@ -4804,27 +4806,17 @@
               </a:rPr>
             </a:br>
             <a:r>
-              <a:rPr lang="en-US" i="1" dirty="0">
+              <a:rPr lang="en-US" sz="1450" i="1" dirty="0">
                 <a:solidFill>
                   <a:schemeClr val="tx1"/>
                 </a:solidFill>
                 <a:latin typeface="Arial" panose="020B0604020202020204" pitchFamily="34" charset="0"/>
                 <a:cs typeface="Arial" panose="020B0604020202020204" pitchFamily="34" charset="0"/>
               </a:rPr>
-              <a:t>respective</a:t>
-            </a:r>
-            <a:r>
-              <a:rPr lang="en-US" sz="1400" i="1" dirty="0">
-                <a:solidFill>
-                  <a:schemeClr val="tx1"/>
-                </a:solidFill>
-                <a:latin typeface="Arial" panose="020B0604020202020204" pitchFamily="34" charset="0"/>
-                <a:cs typeface="Arial" panose="020B0604020202020204" pitchFamily="34" charset="0"/>
-              </a:rPr>
-              <a:t> vendors and experts</a:t>
-            </a:r>
-            <a:r>
-              <a:rPr lang="en-US" sz="1400" dirty="0">
+              <a:t>vendors and experts</a:t>
+            </a:r>
+            <a:r>
+              <a:rPr lang="en-US" sz="1450" dirty="0">
                 <a:solidFill>
                   <a:schemeClr val="tx1"/>
                 </a:solidFill>
@@ -4844,8 +4836,8 @@
         </p:nvSpPr>
         <p:spPr>
           <a:xfrm>
-            <a:off x="4234883" y="4647816"/>
-            <a:ext cx="1648207" cy="307777"/>
+            <a:off x="4358016" y="5536538"/>
+            <a:ext cx="1771557" cy="327128"/>
           </a:xfrm>
           <a:prstGeom prst="rect">
             <a:avLst/>
@@ -4879,7 +4871,7 @@
           <a:p>
             <a:pPr algn="ctr"/>
             <a:r>
-              <a:rPr lang="en-US" sz="1400" dirty="0">
+              <a:rPr lang="en-US" sz="1451" dirty="0">
                 <a:solidFill>
                   <a:schemeClr val="tx1"/>
                 </a:solidFill>
@@ -4899,8 +4891,8 @@
         </p:nvSpPr>
         <p:spPr>
           <a:xfrm>
-            <a:off x="6139061" y="1962572"/>
-            <a:ext cx="2393604" cy="2323713"/>
+            <a:off x="6288686" y="2761225"/>
+            <a:ext cx="2622834" cy="2400657"/>
           </a:xfrm>
           <a:prstGeom prst="rect">
             <a:avLst/>
@@ -4934,21 +4926,21 @@
           <a:p>
             <a:pPr>
               <a:spcAft>
-                <a:spcPts val="600"/>
+                <a:spcPts val="622"/>
               </a:spcAft>
             </a:pPr>
             <a:r>
-              <a:rPr lang="en-US" sz="1400" dirty="0">
+              <a:rPr lang="en-US" sz="1450" dirty="0">
                 <a:solidFill>
                   <a:schemeClr val="tx1"/>
                 </a:solidFill>
                 <a:latin typeface="Arial" panose="020B0604020202020204" pitchFamily="34" charset="0"/>
                 <a:cs typeface="Arial" panose="020B0604020202020204" pitchFamily="34" charset="0"/>
               </a:rPr>
-              <a:t>Note that payment services</a:t>
+              <a:t>Note that application services</a:t>
             </a:r>
             <a:br>
-              <a:rPr lang="en-US" sz="1400" dirty="0">
+              <a:rPr lang="en-US" sz="1450" dirty="0">
                 <a:solidFill>
                   <a:schemeClr val="tx1"/>
                 </a:solidFill>
@@ -4957,7 +4949,7 @@
               </a:rPr>
             </a:br>
             <a:r>
-              <a:rPr lang="en-US" sz="1400" dirty="0">
+              <a:rPr lang="en-US" sz="1450" dirty="0">
                 <a:solidFill>
                   <a:schemeClr val="tx1"/>
                 </a:solidFill>
@@ -4967,7 +4959,7 @@
               <a:t>in most cases do not only</a:t>
             </a:r>
             <a:br>
-              <a:rPr lang="en-US" sz="1400" dirty="0">
+              <a:rPr lang="en-US" sz="1450" dirty="0">
                 <a:solidFill>
                   <a:schemeClr val="tx1"/>
                 </a:solidFill>
@@ -4976,7 +4968,7 @@
               </a:rPr>
             </a:br>
             <a:r>
-              <a:rPr lang="en-US" sz="1400" dirty="0">
+              <a:rPr lang="en-US" sz="1450" dirty="0">
                 <a:solidFill>
                   <a:schemeClr val="tx1"/>
                 </a:solidFill>
@@ -4986,7 +4978,7 @@
               <a:t>translate or map from one</a:t>
             </a:r>
             <a:br>
-              <a:rPr lang="en-US" sz="1400" dirty="0">
+              <a:rPr lang="en-US" sz="1450" dirty="0">
                 <a:solidFill>
                   <a:schemeClr val="tx1"/>
                 </a:solidFill>
@@ -4995,7 +4987,7 @@
               </a:rPr>
             </a:br>
             <a:r>
-              <a:rPr lang="en-US" sz="1400" dirty="0">
+              <a:rPr lang="en-US" sz="1450" dirty="0">
                 <a:solidFill>
                   <a:schemeClr val="tx1"/>
                 </a:solidFill>
@@ -5005,7 +4997,7 @@
               <a:t>API to another; they also</a:t>
             </a:r>
             <a:br>
-              <a:rPr lang="en-US" sz="1400" dirty="0">
+              <a:rPr lang="en-US" sz="1450" dirty="0">
                 <a:solidFill>
                   <a:schemeClr val="tx1"/>
                 </a:solidFill>
@@ -5014,7 +5006,7 @@
               </a:rPr>
             </a:br>
             <a:r>
-              <a:rPr lang="en-US" sz="1400" dirty="0">
+              <a:rPr lang="en-US" sz="1450" dirty="0">
                 <a:solidFill>
                   <a:schemeClr val="tx1"/>
                 </a:solidFill>
@@ -5024,7 +5016,7 @@
               <a:t>depend on service specific</a:t>
             </a:r>
             <a:br>
-              <a:rPr lang="en-US" sz="1400" dirty="0">
+              <a:rPr lang="en-US" sz="1450" dirty="0">
                 <a:solidFill>
                   <a:schemeClr val="tx1"/>
                 </a:solidFill>
@@ -5033,7 +5025,7 @@
               </a:rPr>
             </a:br>
             <a:r>
-              <a:rPr lang="en-US" sz="1400" i="1" dirty="0">
+              <a:rPr lang="en-US" sz="1450" i="1" dirty="0">
                 <a:solidFill>
                   <a:schemeClr val="tx1"/>
                 </a:solidFill>
@@ -5043,7 +5035,7 @@
               <a:t>credential databases</a:t>
             </a:r>
             <a:r>
-              <a:rPr lang="en-US" sz="1400" dirty="0">
+              <a:rPr lang="en-US" sz="1450" dirty="0">
                 <a:solidFill>
                   <a:schemeClr val="tx1"/>
                 </a:solidFill>
@@ -5055,37 +5047,17 @@
           </a:p>
           <a:p>
             <a:r>
-              <a:rPr lang="en-US" dirty="0">
+              <a:rPr lang="en-US" sz="1450" dirty="0">
                 <a:solidFill>
                   <a:schemeClr val="tx1"/>
                 </a:solidFill>
                 <a:latin typeface="Arial" panose="020B0604020202020204" pitchFamily="34" charset="0"/>
                 <a:cs typeface="Arial" panose="020B0604020202020204" pitchFamily="34" charset="0"/>
               </a:rPr>
-              <a:t>Such</a:t>
-            </a:r>
-            <a:r>
-              <a:rPr lang="en-US" sz="1400" dirty="0">
-                <a:solidFill>
-                  <a:schemeClr val="tx1"/>
-                </a:solidFill>
-                <a:latin typeface="Arial" panose="020B0604020202020204" pitchFamily="34" charset="0"/>
-                <a:cs typeface="Arial" panose="020B0604020202020204" pitchFamily="34" charset="0"/>
-              </a:rPr>
-              <a:t> </a:t>
-            </a:r>
-            <a:r>
-              <a:rPr lang="en-US" dirty="0">
-                <a:solidFill>
-                  <a:schemeClr val="tx1"/>
-                </a:solidFill>
-                <a:latin typeface="Arial" panose="020B0604020202020204" pitchFamily="34" charset="0"/>
-                <a:cs typeface="Arial" panose="020B0604020202020204" pitchFamily="34" charset="0"/>
-              </a:rPr>
-              <a:t>systems typically also</a:t>
+              <a:t>Such systems typically also</a:t>
             </a:r>
             <a:br>
-              <a:rPr lang="en-US" dirty="0">
+              <a:rPr lang="en-US" sz="1450" dirty="0">
                 <a:solidFill>
                   <a:schemeClr val="tx1"/>
                 </a:solidFill>
@@ -5094,7 +5066,7 @@
               </a:rPr>
             </a:br>
             <a:r>
-              <a:rPr lang="en-US" dirty="0">
+              <a:rPr lang="en-US" sz="1450" dirty="0">
                 <a:solidFill>
                   <a:schemeClr val="tx1"/>
                 </a:solidFill>
@@ -5104,27 +5076,17 @@
               <a:t>expose </a:t>
             </a:r>
             <a:r>
-              <a:rPr lang="en-US" i="1" dirty="0">
+              <a:rPr lang="en-US" sz="1450" i="1" dirty="0">
                 <a:solidFill>
                   <a:schemeClr val="tx1"/>
                 </a:solidFill>
                 <a:latin typeface="Arial" panose="020B0604020202020204" pitchFamily="34" charset="0"/>
                 <a:cs typeface="Arial" panose="020B0604020202020204" pitchFamily="34" charset="0"/>
               </a:rPr>
-              <a:t>utility i</a:t>
-            </a:r>
-            <a:r>
-              <a:rPr lang="en-US" sz="1400" i="1" dirty="0">
-                <a:solidFill>
-                  <a:schemeClr val="tx1"/>
-                </a:solidFill>
-                <a:latin typeface="Arial" panose="020B0604020202020204" pitchFamily="34" charset="0"/>
-                <a:cs typeface="Arial" panose="020B0604020202020204" pitchFamily="34" charset="0"/>
-              </a:rPr>
-              <a:t>nterfaces</a:t>
+              <a:t>utility interfaces</a:t>
             </a:r>
             <a:br>
-              <a:rPr lang="en-US" sz="1400" dirty="0">
+              <a:rPr lang="en-US" sz="1450" dirty="0">
                 <a:solidFill>
                   <a:schemeClr val="tx1"/>
                 </a:solidFill>
@@ -5133,7 +5095,7 @@
               </a:rPr>
             </a:br>
             <a:r>
-              <a:rPr lang="en-US" sz="1400" dirty="0">
+              <a:rPr lang="en-US" sz="1450" dirty="0">
                 <a:solidFill>
                   <a:schemeClr val="tx1"/>
                 </a:solidFill>
@@ -5143,7 +5105,7 @@
               <a:t>like administration support</a:t>
             </a:r>
             <a:br>
-              <a:rPr lang="en-US" sz="1400" dirty="0">
+              <a:rPr lang="en-US" sz="1450" dirty="0">
                 <a:solidFill>
                   <a:schemeClr val="tx1"/>
                 </a:solidFill>
@@ -5152,7 +5114,7 @@
               </a:rPr>
             </a:br>
             <a:r>
-              <a:rPr lang="en-US" sz="1400" dirty="0">
+              <a:rPr lang="en-US" sz="1450" dirty="0">
                 <a:solidFill>
                   <a:schemeClr val="tx1"/>
                 </a:solidFill>
@@ -5172,8 +5134,8 @@
         </p:nvSpPr>
         <p:spPr>
           <a:xfrm>
-            <a:off x="3804901" y="1357200"/>
-            <a:ext cx="1836000" cy="1224000"/>
+            <a:off x="3805056" y="2129767"/>
+            <a:ext cx="2052330" cy="1268713"/>
           </a:xfrm>
           <a:custGeom>
             <a:avLst/>
@@ -5469,7 +5431,7 @@
           <a:lstStyle/>
           <a:p>
             <a:pPr algn="ctr"/>
-            <a:endParaRPr lang="en-US"/>
+            <a:endParaRPr lang="en-US" sz="1866"/>
           </a:p>
         </p:txBody>
       </p:sp>
@@ -5481,8 +5443,8 @@
         </p:nvSpPr>
         <p:spPr>
           <a:xfrm>
-            <a:off x="4641657" y="2607826"/>
-            <a:ext cx="1004316" cy="578882"/>
+            <a:off x="4697016" y="3428140"/>
+            <a:ext cx="1151491" cy="595908"/>
           </a:xfrm>
           <a:prstGeom prst="roundRect">
             <a:avLst/>
@@ -5518,9 +5480,8 @@
           </a:gradFill>
           <a:ln w="12700">
             <a:solidFill>
-              <a:schemeClr val="tx1">
-                <a:lumMod val="65000"/>
-                <a:lumOff val="35000"/>
+              <a:schemeClr val="bg1">
+                <a:lumMod val="50000"/>
               </a:schemeClr>
             </a:solidFill>
           </a:ln>
@@ -5549,24 +5510,24 @@
           </a:fontRef>
         </p:style>
         <p:txBody>
-          <a:bodyPr wrap="square" rtlCol="0" anchor="ctr">
+          <a:bodyPr wrap="none" rtlCol="0" anchor="ctr">
             <a:spAutoFit/>
           </a:bodyPr>
           <a:lstStyle/>
           <a:p>
             <a:pPr algn="ctr"/>
             <a:r>
-              <a:rPr lang="en-US" sz="1400" dirty="0">
+              <a:rPr lang="en-US" sz="1450" dirty="0">
                 <a:solidFill>
                   <a:schemeClr val="tx1"/>
                 </a:solidFill>
                 <a:latin typeface="Arial" panose="020B0604020202020204" pitchFamily="34" charset="0"/>
                 <a:cs typeface="Arial" panose="020B0604020202020204" pitchFamily="34" charset="0"/>
               </a:rPr>
-              <a:t>Payment</a:t>
+              <a:t>Application</a:t>
             </a:r>
             <a:br>
-              <a:rPr lang="en-US" sz="1400" dirty="0">
+              <a:rPr lang="en-US" sz="1450" dirty="0">
                 <a:solidFill>
                   <a:schemeClr val="tx1"/>
                 </a:solidFill>
@@ -5575,7 +5536,7 @@
               </a:rPr>
             </a:br>
             <a:r>
-              <a:rPr lang="en-US" sz="1400" dirty="0">
+              <a:rPr lang="en-US" sz="1450" dirty="0">
                 <a:solidFill>
                   <a:schemeClr val="tx1"/>
                 </a:solidFill>
@@ -5595,8 +5556,8 @@
         </p:nvSpPr>
         <p:spPr>
           <a:xfrm>
-            <a:off x="3302933" y="2607826"/>
-            <a:ext cx="1004316" cy="578882"/>
+            <a:off x="3229508" y="3428140"/>
+            <a:ext cx="1151491" cy="595908"/>
           </a:xfrm>
           <a:prstGeom prst="roundRect">
             <a:avLst/>
@@ -5635,9 +5596,8 @@
           </a:gradFill>
           <a:ln w="12700">
             <a:solidFill>
-              <a:schemeClr val="tx1">
-                <a:lumMod val="65000"/>
-                <a:lumOff val="35000"/>
+              <a:schemeClr val="bg1">
+                <a:lumMod val="50000"/>
               </a:schemeClr>
             </a:solidFill>
           </a:ln>
@@ -5673,17 +5633,17 @@
           <a:p>
             <a:pPr algn="ctr"/>
             <a:r>
-              <a:rPr lang="en-US" sz="1400" dirty="0">
+              <a:rPr lang="en-US" sz="1450" dirty="0">
                 <a:solidFill>
                   <a:schemeClr val="tx1"/>
                 </a:solidFill>
                 <a:latin typeface="Arial" panose="020B0604020202020204" pitchFamily="34" charset="0"/>
                 <a:cs typeface="Arial" panose="020B0604020202020204" pitchFamily="34" charset="0"/>
               </a:rPr>
-              <a:t>Payment</a:t>
+              <a:t>Application</a:t>
             </a:r>
             <a:br>
-              <a:rPr lang="en-US" sz="1400" dirty="0">
+              <a:rPr lang="en-US" sz="1450" dirty="0">
                 <a:solidFill>
                   <a:schemeClr val="tx1"/>
                 </a:solidFill>
@@ -5692,7 +5652,7 @@
               </a:rPr>
             </a:br>
             <a:r>
-              <a:rPr lang="en-US" sz="1400" dirty="0">
+              <a:rPr lang="en-US" sz="1450" dirty="0">
                 <a:solidFill>
                   <a:schemeClr val="tx1"/>
                 </a:solidFill>
@@ -5706,10 +5666,10 @@
       </p:sp>
       <p:grpSp>
         <p:nvGrpSpPr>
-          <p:cNvPr id="12" name="Group 11">
+          <p:cNvPr id="13" name="Group 12">
             <a:extLst>
               <a:ext uri="{FF2B5EF4-FFF2-40B4-BE49-F238E27FC236}">
-                <a16:creationId xmlns:a16="http://schemas.microsoft.com/office/drawing/2014/main" id="{29ECF306-6485-E087-537D-3C748054741A}"/>
+                <a16:creationId xmlns:a16="http://schemas.microsoft.com/office/drawing/2014/main" id="{1FC51D2A-F983-0F78-AEE1-5375374EAF01}"/>
               </a:ext>
             </a:extLst>
           </p:cNvPr>
@@ -5718,10 +5678,10 @@
         </p:nvGrpSpPr>
         <p:grpSpPr>
           <a:xfrm>
-            <a:off x="2066448" y="594420"/>
-            <a:ext cx="1206178" cy="3181696"/>
-            <a:chOff x="2106613" y="594420"/>
-            <a:chExt cx="1206178" cy="3181696"/>
+            <a:off x="2035436" y="1350904"/>
+            <a:ext cx="1238624" cy="3286145"/>
+            <a:chOff x="2035708" y="605785"/>
+            <a:chExt cx="1194971" cy="3170331"/>
           </a:xfrm>
         </p:grpSpPr>
         <p:sp>
@@ -5732,7 +5692,7 @@
           </p:nvSpPr>
           <p:spPr>
             <a:xfrm>
-              <a:off x="2602366" y="1256116"/>
+              <a:off x="2525856" y="1256116"/>
               <a:ext cx="214673" cy="2520000"/>
             </a:xfrm>
             <a:prstGeom prst="downArrow">
@@ -5757,9 +5717,8 @@
             </a:gradFill>
             <a:ln w="12700">
               <a:solidFill>
-                <a:schemeClr val="tx2">
-                  <a:lumMod val="60000"/>
-                  <a:lumOff val="40000"/>
+                <a:schemeClr val="bg1">
+                  <a:lumMod val="50000"/>
                 </a:schemeClr>
               </a:solidFill>
             </a:ln>
@@ -5785,7 +5744,7 @@
             <a:lstStyle/>
             <a:p>
               <a:pPr algn="ctr"/>
-              <a:endParaRPr lang="en-US"/>
+              <a:endParaRPr lang="en-US" sz="1866"/>
             </a:p>
           </p:txBody>
         </p:sp>
@@ -5797,8 +5756,8 @@
           </p:nvSpPr>
           <p:spPr>
             <a:xfrm>
-              <a:off x="2106613" y="594420"/>
-              <a:ext cx="1206178" cy="1055608"/>
+              <a:off x="2035708" y="605785"/>
+              <a:ext cx="1194971" cy="1032879"/>
             </a:xfrm>
             <a:prstGeom prst="roundRect">
               <a:avLst>
@@ -5833,9 +5792,8 @@
             </a:gradFill>
             <a:ln w="12700">
               <a:solidFill>
-                <a:schemeClr val="tx1">
-                  <a:lumMod val="65000"/>
-                  <a:lumOff val="35000"/>
+                <a:schemeClr val="bg1">
+                  <a:lumMod val="50000"/>
                 </a:schemeClr>
               </a:solidFill>
             </a:ln>
@@ -5871,7 +5829,7 @@
             <a:p>
               <a:pPr algn="ctr"/>
               <a:r>
-                <a:rPr lang="en-US" sz="1400" i="1" dirty="0">
+                <a:rPr lang="en-US" sz="1450" i="1" dirty="0">
                   <a:solidFill>
                     <a:schemeClr val="tx1"/>
                   </a:solidFill>
@@ -5881,7 +5839,7 @@
                 <a:t>Outsourced</a:t>
               </a:r>
               <a:br>
-                <a:rPr lang="en-US" sz="1400" i="1" dirty="0">
+                <a:rPr lang="en-US" sz="1450" i="1" dirty="0">
                   <a:solidFill>
                     <a:schemeClr val="tx1"/>
                   </a:solidFill>
@@ -5890,7 +5848,7 @@
                 </a:rPr>
               </a:br>
               <a:r>
-                <a:rPr lang="en-US" sz="1400" i="1" dirty="0">
+                <a:rPr lang="en-US" sz="1450" i="1" dirty="0">
                   <a:solidFill>
                     <a:schemeClr val="tx1"/>
                   </a:solidFill>
@@ -5900,7 +5858,7 @@
                 <a:t>(delegated)</a:t>
               </a:r>
               <a:br>
-                <a:rPr lang="en-US" sz="1400" i="1" dirty="0">
+                <a:rPr lang="en-US" sz="1450" i="1" dirty="0">
                   <a:solidFill>
                     <a:schemeClr val="tx1"/>
                   </a:solidFill>
@@ -5909,17 +5867,17 @@
                 </a:rPr>
               </a:br>
               <a:r>
-                <a:rPr lang="en-US" sz="1400" dirty="0">
+                <a:rPr lang="en-US" sz="1450" dirty="0">
                   <a:solidFill>
                     <a:schemeClr val="tx1"/>
                   </a:solidFill>
                   <a:latin typeface="Arial" panose="020B0604020202020204" pitchFamily="34" charset="0"/>
                   <a:cs typeface="Arial" panose="020B0604020202020204" pitchFamily="34" charset="0"/>
                 </a:rPr>
-                <a:t>Payment</a:t>
+                <a:t>Application</a:t>
               </a:r>
               <a:br>
-                <a:rPr lang="en-US" sz="1400" dirty="0">
+                <a:rPr lang="en-US" sz="1450" dirty="0">
                   <a:solidFill>
                     <a:schemeClr val="tx1"/>
                   </a:solidFill>
@@ -5928,7 +5886,7 @@
                 </a:rPr>
               </a:br>
               <a:r>
-                <a:rPr lang="en-US" sz="1400" dirty="0">
+                <a:rPr lang="en-US" sz="1450" dirty="0">
                   <a:solidFill>
                     <a:schemeClr val="tx1"/>
                   </a:solidFill>
@@ -5955,8 +5913,8 @@
         </p:nvSpPr>
         <p:spPr>
           <a:xfrm>
-            <a:off x="834083" y="633533"/>
-            <a:ext cx="990977" cy="738664"/>
+            <a:off x="865019" y="1503632"/>
+            <a:ext cx="1026242" cy="761747"/>
           </a:xfrm>
           <a:prstGeom prst="rect">
             <a:avLst/>
@@ -5990,7 +5948,7 @@
           <a:p>
             <a:pPr algn="ctr"/>
             <a:r>
-              <a:rPr lang="en-US" sz="1400" dirty="0">
+              <a:rPr lang="en-US" sz="1450" dirty="0">
                 <a:solidFill>
                   <a:schemeClr val="tx1"/>
                 </a:solidFill>
@@ -6000,7 +5958,7 @@
               <a:t>PSD2</a:t>
             </a:r>
             <a:br>
-              <a:rPr lang="en-US" sz="1400" dirty="0">
+              <a:rPr lang="en-US" sz="1450" dirty="0">
                 <a:solidFill>
                   <a:schemeClr val="tx1"/>
                 </a:solidFill>
@@ -6009,7 +5967,7 @@
               </a:rPr>
             </a:br>
             <a:r>
-              <a:rPr lang="en-US" dirty="0">
+              <a:rPr lang="en-US" sz="1450" dirty="0">
                 <a:solidFill>
                   <a:schemeClr val="tx1"/>
                 </a:solidFill>
@@ -6019,7 +5977,7 @@
               <a:t>Compliant</a:t>
             </a:r>
             <a:br>
-              <a:rPr lang="en-US" dirty="0">
+              <a:rPr lang="en-US" sz="1450" dirty="0">
                 <a:solidFill>
                   <a:schemeClr val="tx1"/>
                 </a:solidFill>
@@ -6028,7 +5986,7 @@
               </a:rPr>
             </a:br>
             <a:r>
-              <a:rPr lang="en-US" dirty="0">
+              <a:rPr lang="en-US" sz="1450" dirty="0">
                 <a:solidFill>
                   <a:schemeClr val="tx1"/>
                 </a:solidFill>
@@ -6037,13 +5995,6 @@
               </a:rPr>
               <a:t>Services</a:t>
             </a:r>
-            <a:endParaRPr lang="en-US" sz="1400" dirty="0">
-              <a:solidFill>
-                <a:schemeClr val="tx1"/>
-              </a:solidFill>
-              <a:latin typeface="Arial" panose="020B0604020202020204" pitchFamily="34" charset="0"/>
-              <a:cs typeface="Arial" panose="020B0604020202020204" pitchFamily="34" charset="0"/>
-            </a:endParaRPr>
           </a:p>
         </p:txBody>
       </p:sp>
@@ -6061,8 +6012,8 @@
         </p:nvSpPr>
         <p:spPr>
           <a:xfrm>
-            <a:off x="6571109" y="4574637"/>
-            <a:ext cx="214673" cy="288000"/>
+            <a:off x="6811155" y="5464739"/>
+            <a:ext cx="222515" cy="298521"/>
           </a:xfrm>
           <a:prstGeom prst="downArrow">
             <a:avLst/>
@@ -6114,7 +6065,7 @@
           <a:lstStyle/>
           <a:p>
             <a:pPr algn="ctr"/>
-            <a:endParaRPr lang="en-US"/>
+            <a:endParaRPr lang="en-US" sz="1866"/>
           </a:p>
         </p:txBody>
       </p:sp>
@@ -6132,8 +6083,8 @@
         </p:nvSpPr>
         <p:spPr>
           <a:xfrm>
-            <a:off x="6785782" y="4554860"/>
-            <a:ext cx="1622560" cy="307777"/>
+            <a:off x="7033670" y="5440186"/>
+            <a:ext cx="1746634" cy="327128"/>
           </a:xfrm>
           <a:prstGeom prst="rect">
             <a:avLst/>
@@ -6167,11 +6118,11 @@
           <a:p>
             <a:pPr>
               <a:spcAft>
-                <a:spcPts val="600"/>
+                <a:spcPts val="622"/>
               </a:spcAft>
             </a:pPr>
             <a:r>
-              <a:rPr lang="en-US" sz="1400" dirty="0">
+              <a:rPr lang="en-US" sz="1451" dirty="0">
                 <a:solidFill>
                   <a:schemeClr val="tx1"/>
                 </a:solidFill>
@@ -6197,8 +6148,8 @@
         </p:nvSpPr>
         <p:spPr>
           <a:xfrm>
-            <a:off x="4122837" y="167517"/>
-            <a:ext cx="3849452" cy="400110"/>
+            <a:off x="2483053" y="310309"/>
+            <a:ext cx="4120739" cy="426357"/>
           </a:xfrm>
           <a:prstGeom prst="rect">
             <a:avLst/>
@@ -6212,7 +6163,7 @@
           <a:lstStyle/>
           <a:p>
             <a:r>
-              <a:rPr lang="en-US" sz="2000" dirty="0"/>
+              <a:rPr lang="en-US" sz="2073" dirty="0"/>
               <a:t>Revised Open Banking Architecture</a:t>
             </a:r>
           </a:p>
@@ -6232,8 +6183,8 @@
         </p:nvSpPr>
         <p:spPr>
           <a:xfrm>
-            <a:off x="7391538" y="4996064"/>
-            <a:ext cx="1430200" cy="246221"/>
+            <a:off x="7616692" y="6596869"/>
+            <a:ext cx="1527308" cy="261131"/>
           </a:xfrm>
           <a:prstGeom prst="rect">
             <a:avLst/>
@@ -6248,11 +6199,11 @@
           <a:p>
             <a:pPr algn="r"/>
             <a:r>
-              <a:rPr lang="en-US" sz="1000" dirty="0" err="1"/>
+              <a:rPr lang="en-US" sz="1037" dirty="0" err="1"/>
               <a:t>A.Rundgren</a:t>
             </a:r>
             <a:r>
-              <a:rPr lang="en-US" sz="1000" dirty="0"/>
+              <a:rPr lang="en-US" sz="1037" dirty="0"/>
               <a:t> 2024-01-01</a:t>
             </a:r>
           </a:p>
@@ -6261,7 +6212,7 @@
     </p:spTree>
     <p:extLst>
       <p:ext uri="{BB962C8B-B14F-4D97-AF65-F5344CB8AC3E}">
-        <p14:creationId xmlns:p14="http://schemas.microsoft.com/office/powerpoint/2010/main" val="1967787706"/>
+        <p14:creationId xmlns:p14="http://schemas.microsoft.com/office/powerpoint/2010/main" val="4072877786"/>
       </p:ext>
     </p:extLst>
   </p:cSld>

--- a/research/revised-open-banking-architecture.pptx
+++ b/research/revised-open-banking-architecture.pptx
@@ -302,7 +302,7 @@
           <a:p>
             <a:fld id="{FE398CD6-77FF-42E1-B299-E17665EBA674}" type="datetimeFigureOut">
               <a:rPr lang="en-US" smtClean="0"/>
-              <a:t>2024-01-02</a:t>
+              <a:t>2024-01-05</a:t>
             </a:fld>
             <a:endParaRPr lang="en-US"/>
           </a:p>
@@ -470,7 +470,7 @@
           <a:p>
             <a:fld id="{FE398CD6-77FF-42E1-B299-E17665EBA674}" type="datetimeFigureOut">
               <a:rPr lang="en-US" smtClean="0"/>
-              <a:t>2024-01-02</a:t>
+              <a:t>2024-01-05</a:t>
             </a:fld>
             <a:endParaRPr lang="en-US"/>
           </a:p>
@@ -648,7 +648,7 @@
           <a:p>
             <a:fld id="{FE398CD6-77FF-42E1-B299-E17665EBA674}" type="datetimeFigureOut">
               <a:rPr lang="en-US" smtClean="0"/>
-              <a:t>2024-01-02</a:t>
+              <a:t>2024-01-05</a:t>
             </a:fld>
             <a:endParaRPr lang="en-US"/>
           </a:p>
@@ -816,7 +816,7 @@
           <a:p>
             <a:fld id="{FE398CD6-77FF-42E1-B299-E17665EBA674}" type="datetimeFigureOut">
               <a:rPr lang="en-US" smtClean="0"/>
-              <a:t>2024-01-02</a:t>
+              <a:t>2024-01-05</a:t>
             </a:fld>
             <a:endParaRPr lang="en-US"/>
           </a:p>
@@ -1061,7 +1061,7 @@
           <a:p>
             <a:fld id="{FE398CD6-77FF-42E1-B299-E17665EBA674}" type="datetimeFigureOut">
               <a:rPr lang="en-US" smtClean="0"/>
-              <a:t>2024-01-02</a:t>
+              <a:t>2024-01-05</a:t>
             </a:fld>
             <a:endParaRPr lang="en-US"/>
           </a:p>
@@ -1346,7 +1346,7 @@
           <a:p>
             <a:fld id="{FE398CD6-77FF-42E1-B299-E17665EBA674}" type="datetimeFigureOut">
               <a:rPr lang="en-US" smtClean="0"/>
-              <a:t>2024-01-02</a:t>
+              <a:t>2024-01-05</a:t>
             </a:fld>
             <a:endParaRPr lang="en-US"/>
           </a:p>
@@ -1765,7 +1765,7 @@
           <a:p>
             <a:fld id="{FE398CD6-77FF-42E1-B299-E17665EBA674}" type="datetimeFigureOut">
               <a:rPr lang="en-US" smtClean="0"/>
-              <a:t>2024-01-02</a:t>
+              <a:t>2024-01-05</a:t>
             </a:fld>
             <a:endParaRPr lang="en-US"/>
           </a:p>
@@ -1882,7 +1882,7 @@
           <a:p>
             <a:fld id="{FE398CD6-77FF-42E1-B299-E17665EBA674}" type="datetimeFigureOut">
               <a:rPr lang="en-US" smtClean="0"/>
-              <a:t>2024-01-02</a:t>
+              <a:t>2024-01-05</a:t>
             </a:fld>
             <a:endParaRPr lang="en-US"/>
           </a:p>
@@ -1977,7 +1977,7 @@
           <a:p>
             <a:fld id="{FE398CD6-77FF-42E1-B299-E17665EBA674}" type="datetimeFigureOut">
               <a:rPr lang="en-US" smtClean="0"/>
-              <a:t>2024-01-02</a:t>
+              <a:t>2024-01-05</a:t>
             </a:fld>
             <a:endParaRPr lang="en-US"/>
           </a:p>
@@ -2252,7 +2252,7 @@
           <a:p>
             <a:fld id="{FE398CD6-77FF-42E1-B299-E17665EBA674}" type="datetimeFigureOut">
               <a:rPr lang="en-US" smtClean="0"/>
-              <a:t>2024-01-02</a:t>
+              <a:t>2024-01-05</a:t>
             </a:fld>
             <a:endParaRPr lang="en-US"/>
           </a:p>
@@ -2504,7 +2504,7 @@
           <a:p>
             <a:fld id="{FE398CD6-77FF-42E1-B299-E17665EBA674}" type="datetimeFigureOut">
               <a:rPr lang="en-US" smtClean="0"/>
-              <a:t>2024-01-02</a:t>
+              <a:t>2024-01-05</a:t>
             </a:fld>
             <a:endParaRPr lang="en-US"/>
           </a:p>
@@ -2715,7 +2715,7 @@
           <a:p>
             <a:fld id="{FE398CD6-77FF-42E1-B299-E17665EBA674}" type="datetimeFigureOut">
               <a:rPr lang="en-US" smtClean="0"/>
-              <a:t>2024-01-02</a:t>
+              <a:t>2024-01-05</a:t>
             </a:fld>
             <a:endParaRPr lang="en-US"/>
           </a:p>
@@ -3656,13 +3656,15 @@
       <p:cxnSp>
         <p:nvCxnSpPr>
           <p:cNvPr id="206" name="Straight Connector 205"/>
-          <p:cNvCxnSpPr/>
+          <p:cNvCxnSpPr>
+            <a:cxnSpLocks/>
+          </p:cNvCxnSpPr>
           <p:nvPr/>
         </p:nvCxnSpPr>
         <p:spPr>
           <a:xfrm>
             <a:off x="3345043" y="1887219"/>
-            <a:ext cx="2500112" cy="0"/>
+            <a:ext cx="2520000" cy="0"/>
           </a:xfrm>
           <a:prstGeom prst="line">
             <a:avLst/>
@@ -3699,7 +3701,7 @@
         </p:nvSpPr>
         <p:spPr>
           <a:xfrm>
-            <a:off x="5264885" y="2353658"/>
+            <a:off x="5268001" y="2353658"/>
             <a:ext cx="597042" cy="1044823"/>
           </a:xfrm>
           <a:custGeom>
@@ -4713,7 +4715,7 @@
         <p:spPr>
           <a:xfrm>
             <a:off x="5979377" y="1609716"/>
-            <a:ext cx="2802370" cy="984885"/>
+            <a:ext cx="2978701" cy="984885"/>
           </a:xfrm>
           <a:prstGeom prst="rect">
             <a:avLst/>
@@ -4758,14 +4760,24 @@
           </a:p>
           <a:p>
             <a:r>
-              <a:rPr lang="en-US" sz="1450" dirty="0">
+              <a:rPr lang="en-US" sz="1450" i="1" dirty="0">
                 <a:solidFill>
                   <a:schemeClr val="tx1"/>
                 </a:solidFill>
                 <a:latin typeface="Arial" panose="020B0604020202020204" pitchFamily="34" charset="0"/>
                 <a:cs typeface="Arial" panose="020B0604020202020204" pitchFamily="34" charset="0"/>
               </a:rPr>
-              <a:t>application services developed</a:t>
+              <a:t>loosely coupled</a:t>
+            </a:r>
+            <a:r>
+              <a:rPr lang="en-US" sz="1450" dirty="0">
+                <a:solidFill>
+                  <a:schemeClr val="tx1"/>
+                </a:solidFill>
+                <a:latin typeface="Arial" panose="020B0604020202020204" pitchFamily="34" charset="0"/>
+                <a:cs typeface="Arial" panose="020B0604020202020204" pitchFamily="34" charset="0"/>
+              </a:rPr>
+              <a:t> application</a:t>
             </a:r>
             <a:br>
               <a:rPr lang="en-US" sz="1450" dirty="0">
@@ -4784,20 +4796,10 @@
                 <a:latin typeface="Arial" panose="020B0604020202020204" pitchFamily="34" charset="0"/>
                 <a:cs typeface="Arial" panose="020B0604020202020204" pitchFamily="34" charset="0"/>
               </a:rPr>
-              <a:t>and </a:t>
-            </a:r>
-            <a:r>
-              <a:rPr lang="en-US" sz="1450" i="1" dirty="0">
-                <a:solidFill>
-                  <a:schemeClr val="tx1"/>
-                </a:solidFill>
-                <a:latin typeface="Arial" panose="020B0604020202020204" pitchFamily="34" charset="0"/>
-                <a:cs typeface="Arial" panose="020B0604020202020204" pitchFamily="34" charset="0"/>
-              </a:rPr>
-              <a:t>provided by the respective</a:t>
+              <a:t>services developed and provided</a:t>
             </a:r>
             <a:br>
-              <a:rPr lang="en-US" sz="1450" i="1" dirty="0">
+              <a:rPr lang="en-US" sz="1450" dirty="0">
                 <a:solidFill>
                   <a:schemeClr val="tx1"/>
                 </a:solidFill>
@@ -4806,14 +4808,24 @@
               </a:rPr>
             </a:br>
             <a:r>
-              <a:rPr lang="en-US" sz="1450" i="1" dirty="0">
+              <a:rPr lang="en-US" sz="1450" dirty="0">
                 <a:solidFill>
                   <a:schemeClr val="tx1"/>
                 </a:solidFill>
                 <a:latin typeface="Arial" panose="020B0604020202020204" pitchFamily="34" charset="0"/>
                 <a:cs typeface="Arial" panose="020B0604020202020204" pitchFamily="34" charset="0"/>
               </a:rPr>
-              <a:t>vendors and experts</a:t>
+              <a:t>by </a:t>
+            </a:r>
+            <a:r>
+              <a:rPr lang="en-US" sz="1450" i="1" dirty="0">
+                <a:solidFill>
+                  <a:schemeClr val="tx1"/>
+                </a:solidFill>
+                <a:latin typeface="Arial" panose="020B0604020202020204" pitchFamily="34" charset="0"/>
+                <a:cs typeface="Arial" panose="020B0604020202020204" pitchFamily="34" charset="0"/>
+              </a:rPr>
+              <a:t>mutually independent vendors</a:t>
             </a:r>
             <a:r>
               <a:rPr lang="en-US" sz="1450" dirty="0">
@@ -4891,8 +4903,8 @@
         </p:nvSpPr>
         <p:spPr>
           <a:xfrm>
-            <a:off x="6288686" y="2761225"/>
-            <a:ext cx="2622834" cy="2400657"/>
+            <a:off x="6288686" y="2872794"/>
+            <a:ext cx="2622834" cy="2177519"/>
           </a:xfrm>
           <a:prstGeom prst="rect">
             <a:avLst/>
@@ -4994,7 +5006,7 @@
                 <a:latin typeface="Arial" panose="020B0604020202020204" pitchFamily="34" charset="0"/>
                 <a:cs typeface="Arial" panose="020B0604020202020204" pitchFamily="34" charset="0"/>
               </a:rPr>
-              <a:t>API to another; they also</a:t>
+              <a:t>API to another; payment</a:t>
             </a:r>
             <a:br>
               <a:rPr lang="en-US" sz="1450" dirty="0">
@@ -5013,7 +5025,7 @@
                 <a:latin typeface="Arial" panose="020B0604020202020204" pitchFamily="34" charset="0"/>
                 <a:cs typeface="Arial" panose="020B0604020202020204" pitchFamily="34" charset="0"/>
               </a:rPr>
-              <a:t>depend on service specific</a:t>
+              <a:t>services also depend on</a:t>
             </a:r>
             <a:br>
               <a:rPr lang="en-US" sz="1450" dirty="0">
@@ -5054,7 +5066,7 @@
                 <a:latin typeface="Arial" panose="020B0604020202020204" pitchFamily="34" charset="0"/>
                 <a:cs typeface="Arial" panose="020B0604020202020204" pitchFamily="34" charset="0"/>
               </a:rPr>
-              <a:t>Such systems typically also</a:t>
+              <a:t>Application services typically</a:t>
             </a:r>
             <a:br>
               <a:rPr lang="en-US" sz="1450" dirty="0">
@@ -5073,7 +5085,7 @@
                 <a:latin typeface="Arial" panose="020B0604020202020204" pitchFamily="34" charset="0"/>
                 <a:cs typeface="Arial" panose="020B0604020202020204" pitchFamily="34" charset="0"/>
               </a:rPr>
-              <a:t>expose </a:t>
+              <a:t>also expose </a:t>
             </a:r>
             <a:r>
               <a:rPr lang="en-US" sz="1450" i="1" dirty="0">
@@ -5102,26 +5114,7 @@
                 <a:latin typeface="Arial" panose="020B0604020202020204" pitchFamily="34" charset="0"/>
                 <a:cs typeface="Arial" panose="020B0604020202020204" pitchFamily="34" charset="0"/>
               </a:rPr>
-              <a:t>like administration support</a:t>
-            </a:r>
-            <a:br>
-              <a:rPr lang="en-US" sz="1450" dirty="0">
-                <a:solidFill>
-                  <a:schemeClr val="tx1"/>
-                </a:solidFill>
-                <a:latin typeface="Arial" panose="020B0604020202020204" pitchFamily="34" charset="0"/>
-                <a:cs typeface="Arial" panose="020B0604020202020204" pitchFamily="34" charset="0"/>
-              </a:rPr>
-            </a:br>
-            <a:r>
-              <a:rPr lang="en-US" sz="1450" dirty="0">
-                <a:solidFill>
-                  <a:schemeClr val="tx1"/>
-                </a:solidFill>
-                <a:latin typeface="Arial" panose="020B0604020202020204" pitchFamily="34" charset="0"/>
-                <a:cs typeface="Arial" panose="020B0604020202020204" pitchFamily="34" charset="0"/>
-              </a:rPr>
-              <a:t>for credentials.</a:t>
+              <a:t>for administrative purposes.</a:t>
             </a:r>
           </a:p>
         </p:txBody>
@@ -5134,7 +5127,7 @@
         </p:nvSpPr>
         <p:spPr>
           <a:xfrm>
-            <a:off x="3805056" y="2129767"/>
+            <a:off x="3812713" y="2129767"/>
             <a:ext cx="2052330" cy="1268713"/>
           </a:xfrm>
           <a:custGeom>
@@ -5678,7 +5671,7 @@
         </p:nvGrpSpPr>
         <p:grpSpPr>
           <a:xfrm>
-            <a:off x="2035436" y="1350904"/>
+            <a:off x="2054496" y="1350904"/>
             <a:ext cx="1238624" cy="3286145"/>
             <a:chOff x="2035708" y="605785"/>
             <a:chExt cx="1194971" cy="3170331"/>
@@ -6183,8 +6176,8 @@
         </p:nvSpPr>
         <p:spPr>
           <a:xfrm>
-            <a:off x="7616692" y="6596869"/>
-            <a:ext cx="1527308" cy="261131"/>
+            <a:off x="7670520" y="6596869"/>
+            <a:ext cx="1473480" cy="251928"/>
           </a:xfrm>
           <a:prstGeom prst="rect">
             <a:avLst/>

--- a/research/revised-open-banking-architecture.pptx
+++ b/research/revised-open-banking-architecture.pptx
@@ -3494,7 +3494,7 @@
         </p:nvSpPr>
         <p:spPr>
           <a:xfrm>
-            <a:off x="1296000" y="2296800"/>
+            <a:off x="1266883" y="2296800"/>
             <a:ext cx="222515" cy="1080000"/>
           </a:xfrm>
           <a:prstGeom prst="downArrow">
@@ -4714,8 +4714,8 @@
         </p:nvSpPr>
         <p:spPr>
           <a:xfrm>
-            <a:off x="5979377" y="1609716"/>
-            <a:ext cx="2978701" cy="984885"/>
+            <a:off x="5891083" y="1609716"/>
+            <a:ext cx="3145413" cy="984885"/>
           </a:xfrm>
           <a:prstGeom prst="rect">
             <a:avLst/>
@@ -4767,20 +4767,10 @@
                 <a:latin typeface="Arial" panose="020B0604020202020204" pitchFamily="34" charset="0"/>
                 <a:cs typeface="Arial" panose="020B0604020202020204" pitchFamily="34" charset="0"/>
               </a:rPr>
-              <a:t>loosely coupled</a:t>
-            </a:r>
-            <a:r>
-              <a:rPr lang="en-US" sz="1450" dirty="0">
-                <a:solidFill>
-                  <a:schemeClr val="tx1"/>
-                </a:solidFill>
-                <a:latin typeface="Arial" panose="020B0604020202020204" pitchFamily="34" charset="0"/>
-                <a:cs typeface="Arial" panose="020B0604020202020204" pitchFamily="34" charset="0"/>
-              </a:rPr>
-              <a:t> application</a:t>
+              <a:t>loosely coupled trusted application</a:t>
             </a:r>
             <a:br>
-              <a:rPr lang="en-US" sz="1450" dirty="0">
+              <a:rPr lang="en-US" sz="1450" i="1" dirty="0">
                 <a:solidFill>
                   <a:schemeClr val="tx1"/>
                 </a:solidFill>
@@ -4789,14 +4779,24 @@
               </a:rPr>
             </a:br>
             <a:r>
-              <a:rPr lang="en-US" sz="1450" dirty="0">
+              <a:rPr lang="en-US" sz="1450" i="1" dirty="0">
                 <a:solidFill>
                   <a:schemeClr val="tx1"/>
                 </a:solidFill>
                 <a:latin typeface="Arial" panose="020B0604020202020204" pitchFamily="34" charset="0"/>
                 <a:cs typeface="Arial" panose="020B0604020202020204" pitchFamily="34" charset="0"/>
               </a:rPr>
-              <a:t>services developed and provided</a:t>
+              <a:t>services</a:t>
+            </a:r>
+            <a:r>
+              <a:rPr lang="en-US" sz="1450" dirty="0">
+                <a:solidFill>
+                  <a:schemeClr val="tx1"/>
+                </a:solidFill>
+                <a:latin typeface="Arial" panose="020B0604020202020204" pitchFamily="34" charset="0"/>
+                <a:cs typeface="Arial" panose="020B0604020202020204" pitchFamily="34" charset="0"/>
+              </a:rPr>
+              <a:t> developed and provided</a:t>
             </a:r>
             <a:br>
               <a:rPr lang="en-US" sz="1450" dirty="0">

--- a/research/revised-open-banking-architecture.pptx
+++ b/research/revised-open-banking-architecture.pptx
@@ -3664,7 +3664,7 @@
         <p:spPr>
           <a:xfrm>
             <a:off x="3345043" y="1887219"/>
-            <a:ext cx="2520000" cy="0"/>
+            <a:ext cx="2412000" cy="0"/>
           </a:xfrm>
           <a:prstGeom prst="line">
             <a:avLst/>
@@ -3702,7 +3702,7 @@
         <p:spPr>
           <a:xfrm>
             <a:off x="5268001" y="2353658"/>
-            <a:ext cx="597042" cy="1044823"/>
+            <a:ext cx="489600" cy="1044823"/>
           </a:xfrm>
           <a:custGeom>
             <a:avLst/>
@@ -4714,8 +4714,8 @@
         </p:nvSpPr>
         <p:spPr>
           <a:xfrm>
-            <a:off x="5891083" y="1609716"/>
-            <a:ext cx="3145413" cy="984885"/>
+            <a:off x="5796136" y="1603126"/>
+            <a:ext cx="3124573" cy="984885"/>
           </a:xfrm>
           <a:prstGeom prst="rect">
             <a:avLst/>
@@ -4815,7 +4815,7 @@
                 <a:latin typeface="Arial" panose="020B0604020202020204" pitchFamily="34" charset="0"/>
                 <a:cs typeface="Arial" panose="020B0604020202020204" pitchFamily="34" charset="0"/>
               </a:rPr>
-              <a:t>by </a:t>
+              <a:t>by potentially</a:t>
             </a:r>
             <a:r>
               <a:rPr lang="en-US" sz="1450" i="1" dirty="0">
@@ -4825,7 +4825,7 @@
                 <a:latin typeface="Arial" panose="020B0604020202020204" pitchFamily="34" charset="0"/>
                 <a:cs typeface="Arial" panose="020B0604020202020204" pitchFamily="34" charset="0"/>
               </a:rPr>
-              <a:t>mutually independent vendors</a:t>
+              <a:t> independent vendors</a:t>
             </a:r>
             <a:r>
               <a:rPr lang="en-US" sz="1450" dirty="0">
@@ -5128,7 +5128,7 @@
         <p:spPr>
           <a:xfrm>
             <a:off x="3812713" y="2129767"/>
-            <a:ext cx="2052330" cy="1268713"/>
+            <a:ext cx="1944000" cy="1268713"/>
           </a:xfrm>
           <a:custGeom>
             <a:avLst/>

--- a/research/revised-open-banking-architecture.pptx
+++ b/research/revised-open-banking-architecture.pptx
@@ -302,7 +302,7 @@
           <a:p>
             <a:fld id="{FE398CD6-77FF-42E1-B299-E17665EBA674}" type="datetimeFigureOut">
               <a:rPr lang="en-US" smtClean="0"/>
-              <a:t>2024-01-05</a:t>
+              <a:t>2024-01-15</a:t>
             </a:fld>
             <a:endParaRPr lang="en-US"/>
           </a:p>
@@ -470,7 +470,7 @@
           <a:p>
             <a:fld id="{FE398CD6-77FF-42E1-B299-E17665EBA674}" type="datetimeFigureOut">
               <a:rPr lang="en-US" smtClean="0"/>
-              <a:t>2024-01-05</a:t>
+              <a:t>2024-01-15</a:t>
             </a:fld>
             <a:endParaRPr lang="en-US"/>
           </a:p>
@@ -648,7 +648,7 @@
           <a:p>
             <a:fld id="{FE398CD6-77FF-42E1-B299-E17665EBA674}" type="datetimeFigureOut">
               <a:rPr lang="en-US" smtClean="0"/>
-              <a:t>2024-01-05</a:t>
+              <a:t>2024-01-15</a:t>
             </a:fld>
             <a:endParaRPr lang="en-US"/>
           </a:p>
@@ -816,7 +816,7 @@
           <a:p>
             <a:fld id="{FE398CD6-77FF-42E1-B299-E17665EBA674}" type="datetimeFigureOut">
               <a:rPr lang="en-US" smtClean="0"/>
-              <a:t>2024-01-05</a:t>
+              <a:t>2024-01-15</a:t>
             </a:fld>
             <a:endParaRPr lang="en-US"/>
           </a:p>
@@ -1061,7 +1061,7 @@
           <a:p>
             <a:fld id="{FE398CD6-77FF-42E1-B299-E17665EBA674}" type="datetimeFigureOut">
               <a:rPr lang="en-US" smtClean="0"/>
-              <a:t>2024-01-05</a:t>
+              <a:t>2024-01-15</a:t>
             </a:fld>
             <a:endParaRPr lang="en-US"/>
           </a:p>
@@ -1346,7 +1346,7 @@
           <a:p>
             <a:fld id="{FE398CD6-77FF-42E1-B299-E17665EBA674}" type="datetimeFigureOut">
               <a:rPr lang="en-US" smtClean="0"/>
-              <a:t>2024-01-05</a:t>
+              <a:t>2024-01-15</a:t>
             </a:fld>
             <a:endParaRPr lang="en-US"/>
           </a:p>
@@ -1765,7 +1765,7 @@
           <a:p>
             <a:fld id="{FE398CD6-77FF-42E1-B299-E17665EBA674}" type="datetimeFigureOut">
               <a:rPr lang="en-US" smtClean="0"/>
-              <a:t>2024-01-05</a:t>
+              <a:t>2024-01-15</a:t>
             </a:fld>
             <a:endParaRPr lang="en-US"/>
           </a:p>
@@ -1882,7 +1882,7 @@
           <a:p>
             <a:fld id="{FE398CD6-77FF-42E1-B299-E17665EBA674}" type="datetimeFigureOut">
               <a:rPr lang="en-US" smtClean="0"/>
-              <a:t>2024-01-05</a:t>
+              <a:t>2024-01-15</a:t>
             </a:fld>
             <a:endParaRPr lang="en-US"/>
           </a:p>
@@ -1977,7 +1977,7 @@
           <a:p>
             <a:fld id="{FE398CD6-77FF-42E1-B299-E17665EBA674}" type="datetimeFigureOut">
               <a:rPr lang="en-US" smtClean="0"/>
-              <a:t>2024-01-05</a:t>
+              <a:t>2024-01-15</a:t>
             </a:fld>
             <a:endParaRPr lang="en-US"/>
           </a:p>
@@ -2252,7 +2252,7 @@
           <a:p>
             <a:fld id="{FE398CD6-77FF-42E1-B299-E17665EBA674}" type="datetimeFigureOut">
               <a:rPr lang="en-US" smtClean="0"/>
-              <a:t>2024-01-05</a:t>
+              <a:t>2024-01-15</a:t>
             </a:fld>
             <a:endParaRPr lang="en-US"/>
           </a:p>
@@ -2504,7 +2504,7 @@
           <a:p>
             <a:fld id="{FE398CD6-77FF-42E1-B299-E17665EBA674}" type="datetimeFigureOut">
               <a:rPr lang="en-US" smtClean="0"/>
-              <a:t>2024-01-05</a:t>
+              <a:t>2024-01-15</a:t>
             </a:fld>
             <a:endParaRPr lang="en-US"/>
           </a:p>
@@ -2715,7 +2715,7 @@
           <a:p>
             <a:fld id="{FE398CD6-77FF-42E1-B299-E17665EBA674}" type="datetimeFigureOut">
               <a:rPr lang="en-US" smtClean="0"/>
-              <a:t>2024-01-05</a:t>
+              <a:t>2024-01-15</a:t>
             </a:fld>
             <a:endParaRPr lang="en-US"/>
           </a:p>
@@ -4755,7 +4755,7 @@
                 <a:latin typeface="Arial" panose="020B0604020202020204" pitchFamily="34" charset="0"/>
                 <a:cs typeface="Arial" panose="020B0604020202020204" pitchFamily="34" charset="0"/>
               </a:rPr>
-              <a:t>Proprietary and/or standardized</a:t>
+              <a:t>Proprietary or standardized</a:t>
             </a:r>
           </a:p>
           <a:p>
@@ -4903,7 +4903,7 @@
         </p:nvSpPr>
         <p:spPr>
           <a:xfrm>
-            <a:off x="6288686" y="2872794"/>
+            <a:off x="6288686" y="3123689"/>
             <a:ext cx="2622834" cy="2177519"/>
           </a:xfrm>
           <a:prstGeom prst="rect">
@@ -6005,7 +6005,7 @@
         </p:nvSpPr>
         <p:spPr>
           <a:xfrm>
-            <a:off x="6811155" y="5464739"/>
+            <a:off x="6811155" y="5502689"/>
             <a:ext cx="222515" cy="298521"/>
           </a:xfrm>
           <a:prstGeom prst="downArrow">
@@ -6076,7 +6076,7 @@
         </p:nvSpPr>
         <p:spPr>
           <a:xfrm>
-            <a:off x="7033670" y="5440186"/>
+            <a:off x="7033670" y="5478136"/>
             <a:ext cx="1746634" cy="327128"/>
           </a:xfrm>
           <a:prstGeom prst="rect">
